--- a/images/imagenes_seminario.pptx
+++ b/images/imagenes_seminario.pptx
@@ -8,9 +8,14 @@
     <p:sldId id="256" r:id="rId2"/>
     <p:sldId id="257" r:id="rId3"/>
     <p:sldId id="259" r:id="rId4"/>
-    <p:sldId id="258" r:id="rId5"/>
-    <p:sldId id="261" r:id="rId6"/>
-    <p:sldId id="260" r:id="rId7"/>
+    <p:sldId id="261" r:id="rId5"/>
+    <p:sldId id="260" r:id="rId6"/>
+    <p:sldId id="262" r:id="rId7"/>
+    <p:sldId id="264" r:id="rId8"/>
+    <p:sldId id="266" r:id="rId9"/>
+    <p:sldId id="267" r:id="rId10"/>
+    <p:sldId id="263" r:id="rId11"/>
+    <p:sldId id="265" r:id="rId12"/>
   </p:sldIdLst>
   <p:sldSz cx="9144000" cy="6858000" type="screen4x3"/>
   <p:notesSz cx="6858000" cy="9144000"/>
@@ -309,7 +314,7 @@
           <a:p>
             <a:fld id="{297D2723-5660-4AF4-AF5E-18D58290C35E}" type="datetimeFigureOut">
               <a:rPr lang="es-VE" smtClean="0"/>
-              <a:t>19/11/2016</a:t>
+              <a:t>24/11/2016</a:t>
             </a:fld>
             <a:endParaRPr lang="es-VE"/>
           </a:p>
@@ -479,7 +484,7 @@
           <a:p>
             <a:fld id="{297D2723-5660-4AF4-AF5E-18D58290C35E}" type="datetimeFigureOut">
               <a:rPr lang="es-VE" smtClean="0"/>
-              <a:t>19/11/2016</a:t>
+              <a:t>24/11/2016</a:t>
             </a:fld>
             <a:endParaRPr lang="es-VE"/>
           </a:p>
@@ -659,7 +664,7 @@
           <a:p>
             <a:fld id="{297D2723-5660-4AF4-AF5E-18D58290C35E}" type="datetimeFigureOut">
               <a:rPr lang="es-VE" smtClean="0"/>
-              <a:t>19/11/2016</a:t>
+              <a:t>24/11/2016</a:t>
             </a:fld>
             <a:endParaRPr lang="es-VE"/>
           </a:p>
@@ -829,7 +834,7 @@
           <a:p>
             <a:fld id="{297D2723-5660-4AF4-AF5E-18D58290C35E}" type="datetimeFigureOut">
               <a:rPr lang="es-VE" smtClean="0"/>
-              <a:t>19/11/2016</a:t>
+              <a:t>24/11/2016</a:t>
             </a:fld>
             <a:endParaRPr lang="es-VE"/>
           </a:p>
@@ -1075,7 +1080,7 @@
           <a:p>
             <a:fld id="{297D2723-5660-4AF4-AF5E-18D58290C35E}" type="datetimeFigureOut">
               <a:rPr lang="es-VE" smtClean="0"/>
-              <a:t>19/11/2016</a:t>
+              <a:t>24/11/2016</a:t>
             </a:fld>
             <a:endParaRPr lang="es-VE"/>
           </a:p>
@@ -1363,7 +1368,7 @@
           <a:p>
             <a:fld id="{297D2723-5660-4AF4-AF5E-18D58290C35E}" type="datetimeFigureOut">
               <a:rPr lang="es-VE" smtClean="0"/>
-              <a:t>19/11/2016</a:t>
+              <a:t>24/11/2016</a:t>
             </a:fld>
             <a:endParaRPr lang="es-VE"/>
           </a:p>
@@ -1785,7 +1790,7 @@
           <a:p>
             <a:fld id="{297D2723-5660-4AF4-AF5E-18D58290C35E}" type="datetimeFigureOut">
               <a:rPr lang="es-VE" smtClean="0"/>
-              <a:t>19/11/2016</a:t>
+              <a:t>24/11/2016</a:t>
             </a:fld>
             <a:endParaRPr lang="es-VE"/>
           </a:p>
@@ -1903,7 +1908,7 @@
           <a:p>
             <a:fld id="{297D2723-5660-4AF4-AF5E-18D58290C35E}" type="datetimeFigureOut">
               <a:rPr lang="es-VE" smtClean="0"/>
-              <a:t>19/11/2016</a:t>
+              <a:t>24/11/2016</a:t>
             </a:fld>
             <a:endParaRPr lang="es-VE"/>
           </a:p>
@@ -1998,7 +2003,7 @@
           <a:p>
             <a:fld id="{297D2723-5660-4AF4-AF5E-18D58290C35E}" type="datetimeFigureOut">
               <a:rPr lang="es-VE" smtClean="0"/>
-              <a:t>19/11/2016</a:t>
+              <a:t>24/11/2016</a:t>
             </a:fld>
             <a:endParaRPr lang="es-VE"/>
           </a:p>
@@ -2275,7 +2280,7 @@
           <a:p>
             <a:fld id="{297D2723-5660-4AF4-AF5E-18D58290C35E}" type="datetimeFigureOut">
               <a:rPr lang="es-VE" smtClean="0"/>
-              <a:t>19/11/2016</a:t>
+              <a:t>24/11/2016</a:t>
             </a:fld>
             <a:endParaRPr lang="es-VE"/>
           </a:p>
@@ -2528,7 +2533,7 @@
           <a:p>
             <a:fld id="{297D2723-5660-4AF4-AF5E-18D58290C35E}" type="datetimeFigureOut">
               <a:rPr lang="es-VE" smtClean="0"/>
-              <a:t>19/11/2016</a:t>
+              <a:t>24/11/2016</a:t>
             </a:fld>
             <a:endParaRPr lang="es-VE"/>
           </a:p>
@@ -2741,7 +2746,7 @@
           <a:p>
             <a:fld id="{297D2723-5660-4AF4-AF5E-18D58290C35E}" type="datetimeFigureOut">
               <a:rPr lang="es-VE" smtClean="0"/>
-              <a:t>19/11/2016</a:t>
+              <a:t>24/11/2016</a:t>
             </a:fld>
             <a:endParaRPr lang="es-VE"/>
           </a:p>
@@ -3170,6 +3175,188 @@
 </p:sld>
 </file>
 
+<file path=ppt/slides/slide10.xml><?xml version="1.0" encoding="utf-8"?>
+<p:sld xmlns:a="http://schemas.openxmlformats.org/drawingml/2006/main" xmlns:r="http://schemas.openxmlformats.org/officeDocument/2006/relationships" xmlns:p="http://schemas.openxmlformats.org/presentationml/2006/main">
+  <p:cSld>
+    <p:spTree>
+      <p:nvGrpSpPr>
+        <p:cNvPr id="1" name=""/>
+        <p:cNvGrpSpPr/>
+        <p:nvPr/>
+      </p:nvGrpSpPr>
+      <p:grpSpPr>
+        <a:xfrm>
+          <a:off x="0" y="0"/>
+          <a:ext cx="0" cy="0"/>
+          <a:chOff x="0" y="0"/>
+          <a:chExt cx="0" cy="0"/>
+        </a:xfrm>
+      </p:grpSpPr>
+      <p:sp>
+        <p:nvSpPr>
+          <p:cNvPr id="2" name="Título 1"/>
+          <p:cNvSpPr>
+            <a:spLocks noGrp="1"/>
+          </p:cNvSpPr>
+          <p:nvPr>
+            <p:ph type="title"/>
+          </p:nvPr>
+        </p:nvSpPr>
+        <p:spPr/>
+        <p:txBody>
+          <a:bodyPr/>
+          <a:lstStyle/>
+          <a:p>
+            <a:r>
+              <a:rPr lang="es-VE" dirty="0"/>
+              <a:t>Proceso de digitalización en detalle</a:t>
+            </a:r>
+          </a:p>
+        </p:txBody>
+      </p:sp>
+      <p:pic>
+        <p:nvPicPr>
+          <p:cNvPr id="1026" name="Picture 2" descr="Resultado de imagen"/>
+          <p:cNvPicPr>
+            <a:picLocks noChangeAspect="1" noChangeArrowheads="1"/>
+          </p:cNvPicPr>
+          <p:nvPr/>
+        </p:nvPicPr>
+        <p:blipFill rotWithShape="1">
+          <a:blip r:embed="rId2">
+            <a:extLst>
+              <a:ext uri="{28A0092B-C50C-407E-A947-70E740481C1C}">
+                <a14:useLocalDpi xmlns:a14="http://schemas.microsoft.com/office/drawing/2010/main" val="0"/>
+              </a:ext>
+            </a:extLst>
+          </a:blip>
+          <a:srcRect l="12988" t="14300" r="14563" b="14300"/>
+          <a:stretch/>
+        </p:blipFill>
+        <p:spPr bwMode="auto">
+          <a:xfrm>
+            <a:off x="1187624" y="1556792"/>
+            <a:ext cx="6624736" cy="4896544"/>
+          </a:xfrm>
+          <a:prstGeom prst="rect">
+            <a:avLst/>
+          </a:prstGeom>
+          <a:noFill/>
+          <a:extLst>
+            <a:ext uri="{909E8E84-426E-40DD-AFC4-6F175D3DCCD1}">
+              <a14:hiddenFill xmlns:a14="http://schemas.microsoft.com/office/drawing/2010/main">
+                <a:solidFill>
+                  <a:srgbClr val="FFFFFF"/>
+                </a:solidFill>
+              </a14:hiddenFill>
+            </a:ext>
+          </a:extLst>
+        </p:spPr>
+      </p:pic>
+    </p:spTree>
+    <p:extLst>
+      <p:ext uri="{BB962C8B-B14F-4D97-AF65-F5344CB8AC3E}">
+        <p14:creationId xmlns:p14="http://schemas.microsoft.com/office/powerpoint/2010/main" val="335578829"/>
+      </p:ext>
+    </p:extLst>
+  </p:cSld>
+  <p:clrMapOvr>
+    <a:masterClrMapping/>
+  </p:clrMapOvr>
+</p:sld>
+</file>
+
+<file path=ppt/slides/slide11.xml><?xml version="1.0" encoding="utf-8"?>
+<p:sld xmlns:a="http://schemas.openxmlformats.org/drawingml/2006/main" xmlns:r="http://schemas.openxmlformats.org/officeDocument/2006/relationships" xmlns:p="http://schemas.openxmlformats.org/presentationml/2006/main">
+  <p:cSld>
+    <p:spTree>
+      <p:nvGrpSpPr>
+        <p:cNvPr id="1" name=""/>
+        <p:cNvGrpSpPr/>
+        <p:nvPr/>
+      </p:nvGrpSpPr>
+      <p:grpSpPr>
+        <a:xfrm>
+          <a:off x="0" y="0"/>
+          <a:ext cx="0" cy="0"/>
+          <a:chOff x="0" y="0"/>
+          <a:chExt cx="0" cy="0"/>
+        </a:xfrm>
+      </p:grpSpPr>
+      <p:sp>
+        <p:nvSpPr>
+          <p:cNvPr id="2" name="Título 1"/>
+          <p:cNvSpPr>
+            <a:spLocks noGrp="1"/>
+          </p:cNvSpPr>
+          <p:nvPr>
+            <p:ph type="title"/>
+          </p:nvPr>
+        </p:nvSpPr>
+        <p:spPr/>
+        <p:txBody>
+          <a:bodyPr/>
+          <a:lstStyle/>
+          <a:p>
+            <a:r>
+              <a:rPr lang="es-VE" dirty="0"/>
+              <a:t>Proceso de digitalización en detalle</a:t>
+            </a:r>
+          </a:p>
+        </p:txBody>
+      </p:sp>
+      <p:pic>
+        <p:nvPicPr>
+          <p:cNvPr id="2050" name="Picture 2" descr="Imagen relacionada"/>
+          <p:cNvPicPr>
+            <a:picLocks noChangeAspect="1" noChangeArrowheads="1"/>
+          </p:cNvPicPr>
+          <p:nvPr/>
+        </p:nvPicPr>
+        <p:blipFill rotWithShape="1">
+          <a:blip r:embed="rId2">
+            <a:extLst>
+              <a:ext uri="{28A0092B-C50C-407E-A947-70E740481C1C}">
+                <a14:useLocalDpi xmlns:a14="http://schemas.microsoft.com/office/drawing/2010/main" val="0"/>
+              </a:ext>
+            </a:extLst>
+          </a:blip>
+          <a:srcRect l="4308" t="9692" r="5347" b="310"/>
+          <a:stretch/>
+        </p:blipFill>
+        <p:spPr bwMode="auto">
+          <a:xfrm>
+            <a:off x="1403648" y="1772816"/>
+            <a:ext cx="6264696" cy="4680520"/>
+          </a:xfrm>
+          <a:prstGeom prst="rect">
+            <a:avLst/>
+          </a:prstGeom>
+          <a:noFill/>
+          <a:extLst>
+            <a:ext uri="{909E8E84-426E-40DD-AFC4-6F175D3DCCD1}">
+              <a14:hiddenFill xmlns:a14="http://schemas.microsoft.com/office/drawing/2010/main">
+                <a:solidFill>
+                  <a:srgbClr val="FFFFFF"/>
+                </a:solidFill>
+              </a14:hiddenFill>
+            </a:ext>
+          </a:extLst>
+        </p:spPr>
+      </p:pic>
+    </p:spTree>
+    <p:extLst>
+      <p:ext uri="{BB962C8B-B14F-4D97-AF65-F5344CB8AC3E}">
+        <p14:creationId xmlns:p14="http://schemas.microsoft.com/office/powerpoint/2010/main" val="2146513757"/>
+      </p:ext>
+    </p:extLst>
+  </p:cSld>
+  <p:clrMapOvr>
+    <a:masterClrMapping/>
+  </p:clrMapOvr>
+</p:sld>
+</file>
+
 <file path=ppt/slides/slide2.xml><?xml version="1.0" encoding="utf-8"?>
 <p:sld xmlns:a="http://schemas.openxmlformats.org/drawingml/2006/main" xmlns:r="http://schemas.openxmlformats.org/officeDocument/2006/relationships" xmlns:p="http://schemas.openxmlformats.org/presentationml/2006/main">
   <p:cSld>
@@ -5274,28 +5461,33 @@
             <p:ph type="title"/>
           </p:nvPr>
         </p:nvSpPr>
-        <p:spPr/>
+        <p:spPr>
+          <a:xfrm>
+            <a:off x="457200" y="-27384"/>
+            <a:ext cx="8229600" cy="1143000"/>
+          </a:xfrm>
+        </p:spPr>
         <p:txBody>
           <a:bodyPr/>
           <a:lstStyle/>
           <a:p>
             <a:r>
               <a:rPr lang="es-VE" dirty="0"/>
-              <a:t>PABX </a:t>
+              <a:t>Pasarela o Gateway</a:t>
             </a:r>
           </a:p>
         </p:txBody>
       </p:sp>
       <p:pic>
         <p:nvPicPr>
-          <p:cNvPr id="3074" name="Picture 2" descr="http://www.cypressnorth.com/wp-content/uploads/2010/12/IMG_20101210_111324.jpg"/>
+          <p:cNvPr id="7" name="Picture 2" descr="C:\Users\Administrator\AppData\Local\Microsoft\Windows\Temporary Internet Files\Content.IE5\WBTBN15A\telefono[1].jpg"/>
           <p:cNvPicPr>
             <a:picLocks noChangeAspect="1" noChangeArrowheads="1"/>
           </p:cNvPicPr>
           <p:nvPr/>
         </p:nvPicPr>
         <p:blipFill>
-          <a:blip r:embed="rId2">
+          <a:blip r:embed="rId2" cstate="print">
             <a:extLst>
               <a:ext uri="{28A0092B-C50C-407E-A947-70E740481C1C}">
                 <a14:useLocalDpi xmlns:a14="http://schemas.microsoft.com/office/drawing/2010/main" val="0"/>
@@ -5309,8 +5501,8 @@
         </p:blipFill>
         <p:spPr bwMode="auto">
           <a:xfrm>
-            <a:off x="1475656" y="1405160"/>
-            <a:ext cx="6121689" cy="5048176"/>
+            <a:off x="611560" y="1233361"/>
+            <a:ext cx="771208" cy="771207"/>
           </a:xfrm>
           <a:prstGeom prst="rect">
             <a:avLst/>
@@ -5327,10 +5519,797 @@
           </a:extLst>
         </p:spPr>
       </p:pic>
+      <p:pic>
+        <p:nvPicPr>
+          <p:cNvPr id="8" name="Picture 2" descr="C:\Users\Administrator\AppData\Local\Microsoft\Windows\Temporary Internet Files\Content.IE5\WBTBN15A\telefono[1].jpg"/>
+          <p:cNvPicPr>
+            <a:picLocks noChangeAspect="1" noChangeArrowheads="1"/>
+          </p:cNvPicPr>
+          <p:nvPr/>
+        </p:nvPicPr>
+        <p:blipFill>
+          <a:blip r:embed="rId2" cstate="print">
+            <a:extLst>
+              <a:ext uri="{28A0092B-C50C-407E-A947-70E740481C1C}">
+                <a14:useLocalDpi xmlns:a14="http://schemas.microsoft.com/office/drawing/2010/main" val="0"/>
+              </a:ext>
+            </a:extLst>
+          </a:blip>
+          <a:srcRect/>
+          <a:stretch>
+            <a:fillRect/>
+          </a:stretch>
+        </p:blipFill>
+        <p:spPr bwMode="auto">
+          <a:xfrm>
+            <a:off x="1538204" y="936926"/>
+            <a:ext cx="771208" cy="771207"/>
+          </a:xfrm>
+          <a:prstGeom prst="rect">
+            <a:avLst/>
+          </a:prstGeom>
+          <a:noFill/>
+          <a:extLst>
+            <a:ext uri="{909E8E84-426E-40DD-AFC4-6F175D3DCCD1}">
+              <a14:hiddenFill xmlns:a14="http://schemas.microsoft.com/office/drawing/2010/main">
+                <a:solidFill>
+                  <a:srgbClr val="FFFFFF"/>
+                </a:solidFill>
+              </a14:hiddenFill>
+            </a:ext>
+          </a:extLst>
+        </p:spPr>
+      </p:pic>
+      <p:sp>
+        <p:nvSpPr>
+          <p:cNvPr id="4" name="3 Cubo"/>
+          <p:cNvSpPr/>
+          <p:nvPr/>
+        </p:nvSpPr>
+        <p:spPr>
+          <a:xfrm>
+            <a:off x="2850452" y="1715233"/>
+            <a:ext cx="1667731" cy="1055265"/>
+          </a:xfrm>
+          <a:prstGeom prst="cube">
+            <a:avLst/>
+          </a:prstGeom>
+        </p:spPr>
+        <p:style>
+          <a:lnRef idx="1">
+            <a:schemeClr val="accent1"/>
+          </a:lnRef>
+          <a:fillRef idx="2">
+            <a:schemeClr val="accent1"/>
+          </a:fillRef>
+          <a:effectRef idx="1">
+            <a:schemeClr val="accent1"/>
+          </a:effectRef>
+          <a:fontRef idx="minor">
+            <a:schemeClr val="dk1"/>
+          </a:fontRef>
+        </p:style>
+        <p:txBody>
+          <a:bodyPr rtlCol="0" anchor="ctr"/>
+          <a:lstStyle/>
+          <a:p>
+            <a:pPr algn="ctr"/>
+            <a:r>
+              <a:rPr lang="es-VE" dirty="0"/>
+              <a:t>Central Telefónica</a:t>
+            </a:r>
+          </a:p>
+          <a:p>
+            <a:pPr algn="ctr"/>
+            <a:r>
+              <a:rPr lang="es-VE" dirty="0"/>
+              <a:t>PABX</a:t>
+            </a:r>
+          </a:p>
+        </p:txBody>
+      </p:sp>
+      <p:sp>
+        <p:nvSpPr>
+          <p:cNvPr id="11" name="10 Nube"/>
+          <p:cNvSpPr/>
+          <p:nvPr/>
+        </p:nvSpPr>
+        <p:spPr>
+          <a:xfrm>
+            <a:off x="6300192" y="1618964"/>
+            <a:ext cx="1655372" cy="1518325"/>
+          </a:xfrm>
+          <a:prstGeom prst="cloud">
+            <a:avLst/>
+          </a:prstGeom>
+        </p:spPr>
+        <p:style>
+          <a:lnRef idx="1">
+            <a:schemeClr val="accent1"/>
+          </a:lnRef>
+          <a:fillRef idx="2">
+            <a:schemeClr val="accent1"/>
+          </a:fillRef>
+          <a:effectRef idx="1">
+            <a:schemeClr val="accent1"/>
+          </a:effectRef>
+          <a:fontRef idx="minor">
+            <a:schemeClr val="dk1"/>
+          </a:fontRef>
+        </p:style>
+        <p:txBody>
+          <a:bodyPr rtlCol="0" anchor="ctr"/>
+          <a:lstStyle/>
+          <a:p>
+            <a:pPr algn="ctr"/>
+            <a:r>
+              <a:rPr lang="es-VE" dirty="0"/>
+              <a:t>PSTN</a:t>
+            </a:r>
+          </a:p>
+        </p:txBody>
+      </p:sp>
+      <p:cxnSp>
+        <p:nvCxnSpPr>
+          <p:cNvPr id="13" name="12 Conector angular"/>
+          <p:cNvCxnSpPr>
+            <a:stCxn id="8" idx="2"/>
+            <a:endCxn id="4" idx="1"/>
+          </p:cNvCxnSpPr>
+          <p:nvPr/>
+        </p:nvCxnSpPr>
+        <p:spPr>
+          <a:xfrm rot="16200000" flipH="1">
+            <a:off x="2602650" y="1029290"/>
+            <a:ext cx="270916" cy="1628601"/>
+          </a:xfrm>
+          <a:prstGeom prst="bentConnector3">
+            <a:avLst>
+              <a:gd name="adj1" fmla="val 50000"/>
+            </a:avLst>
+          </a:prstGeom>
+          <a:ln>
+            <a:headEnd type="arrow"/>
+            <a:tailEnd type="arrow"/>
+          </a:ln>
+        </p:spPr>
+        <p:style>
+          <a:lnRef idx="1">
+            <a:schemeClr val="accent1"/>
+          </a:lnRef>
+          <a:fillRef idx="0">
+            <a:schemeClr val="accent1"/>
+          </a:fillRef>
+          <a:effectRef idx="0">
+            <a:schemeClr val="accent1"/>
+          </a:effectRef>
+          <a:fontRef idx="minor">
+            <a:schemeClr val="tx1"/>
+          </a:fontRef>
+        </p:style>
+      </p:cxnSp>
+      <p:cxnSp>
+        <p:nvCxnSpPr>
+          <p:cNvPr id="20" name="19 Conector angular"/>
+          <p:cNvCxnSpPr>
+            <a:stCxn id="7" idx="2"/>
+            <a:endCxn id="4" idx="2"/>
+          </p:cNvCxnSpPr>
+          <p:nvPr/>
+        </p:nvCxnSpPr>
+        <p:spPr>
+          <a:xfrm rot="16200000" flipH="1">
+            <a:off x="1738705" y="1263027"/>
+            <a:ext cx="370206" cy="1853288"/>
+          </a:xfrm>
+          <a:prstGeom prst="bentConnector2">
+            <a:avLst/>
+          </a:prstGeom>
+          <a:ln>
+            <a:headEnd type="arrow"/>
+            <a:tailEnd type="arrow"/>
+          </a:ln>
+        </p:spPr>
+        <p:style>
+          <a:lnRef idx="1">
+            <a:schemeClr val="accent1"/>
+          </a:lnRef>
+          <a:fillRef idx="0">
+            <a:schemeClr val="accent1"/>
+          </a:fillRef>
+          <a:effectRef idx="0">
+            <a:schemeClr val="accent1"/>
+          </a:effectRef>
+          <a:fontRef idx="minor">
+            <a:schemeClr val="tx1"/>
+          </a:fontRef>
+        </p:style>
+      </p:cxnSp>
+      <p:pic>
+        <p:nvPicPr>
+          <p:cNvPr id="2055" name="Picture 7" descr="https://s3-eu-west-1.amazonaws.com/net-xl-products/017ad132-9d6f-4fd1-a739-82dcdee0bc2d.png"/>
+          <p:cNvPicPr>
+            <a:picLocks noChangeAspect="1" noChangeArrowheads="1"/>
+          </p:cNvPicPr>
+          <p:nvPr/>
+        </p:nvPicPr>
+        <p:blipFill>
+          <a:blip r:embed="rId3" cstate="print">
+            <a:extLst>
+              <a:ext uri="{28A0092B-C50C-407E-A947-70E740481C1C}">
+                <a14:useLocalDpi xmlns:a14="http://schemas.microsoft.com/office/drawing/2010/main" val="0"/>
+              </a:ext>
+            </a:extLst>
+          </a:blip>
+          <a:srcRect/>
+          <a:stretch>
+            <a:fillRect/>
+          </a:stretch>
+        </p:blipFill>
+        <p:spPr bwMode="auto">
+          <a:xfrm>
+            <a:off x="658986" y="5225569"/>
+            <a:ext cx="751165" cy="673762"/>
+          </a:xfrm>
+          <a:prstGeom prst="rect">
+            <a:avLst/>
+          </a:prstGeom>
+          <a:noFill/>
+          <a:extLst>
+            <a:ext uri="{909E8E84-426E-40DD-AFC4-6F175D3DCCD1}">
+              <a14:hiddenFill xmlns:a14="http://schemas.microsoft.com/office/drawing/2010/main">
+                <a:solidFill>
+                  <a:srgbClr val="FFFFFF"/>
+                </a:solidFill>
+              </a14:hiddenFill>
+            </a:ext>
+          </a:extLst>
+        </p:spPr>
+      </p:pic>
+      <p:pic>
+        <p:nvPicPr>
+          <p:cNvPr id="36" name="Picture 7" descr="https://s3-eu-west-1.amazonaws.com/net-xl-products/017ad132-9d6f-4fd1-a739-82dcdee0bc2d.png"/>
+          <p:cNvPicPr>
+            <a:picLocks noChangeAspect="1" noChangeArrowheads="1"/>
+          </p:cNvPicPr>
+          <p:nvPr/>
+        </p:nvPicPr>
+        <p:blipFill>
+          <a:blip r:embed="rId3" cstate="print">
+            <a:extLst>
+              <a:ext uri="{28A0092B-C50C-407E-A947-70E740481C1C}">
+                <a14:useLocalDpi xmlns:a14="http://schemas.microsoft.com/office/drawing/2010/main" val="0"/>
+              </a:ext>
+            </a:extLst>
+          </a:blip>
+          <a:srcRect/>
+          <a:stretch>
+            <a:fillRect/>
+          </a:stretch>
+        </p:blipFill>
+        <p:spPr bwMode="auto">
+          <a:xfrm>
+            <a:off x="1454031" y="4418712"/>
+            <a:ext cx="751165" cy="673762"/>
+          </a:xfrm>
+          <a:prstGeom prst="rect">
+            <a:avLst/>
+          </a:prstGeom>
+          <a:noFill/>
+          <a:extLst>
+            <a:ext uri="{909E8E84-426E-40DD-AFC4-6F175D3DCCD1}">
+              <a14:hiddenFill xmlns:a14="http://schemas.microsoft.com/office/drawing/2010/main">
+                <a:solidFill>
+                  <a:srgbClr val="FFFFFF"/>
+                </a:solidFill>
+              </a14:hiddenFill>
+            </a:ext>
+          </a:extLst>
+        </p:spPr>
+      </p:pic>
+      <p:pic>
+        <p:nvPicPr>
+          <p:cNvPr id="2057" name="Picture 9" descr="http://www.instavocomtech.com/assets/img/Hosted%20IP-PBX-Icon.png"/>
+          <p:cNvPicPr>
+            <a:picLocks noChangeAspect="1" noChangeArrowheads="1"/>
+          </p:cNvPicPr>
+          <p:nvPr/>
+        </p:nvPicPr>
+        <p:blipFill>
+          <a:blip r:embed="rId4" cstate="print">
+            <a:extLst>
+              <a:ext uri="{28A0092B-C50C-407E-A947-70E740481C1C}">
+                <a14:useLocalDpi xmlns:a14="http://schemas.microsoft.com/office/drawing/2010/main" val="0"/>
+              </a:ext>
+            </a:extLst>
+          </a:blip>
+          <a:srcRect/>
+          <a:stretch>
+            <a:fillRect/>
+          </a:stretch>
+        </p:blipFill>
+        <p:spPr bwMode="auto">
+          <a:xfrm>
+            <a:off x="4860032" y="4694418"/>
+            <a:ext cx="1456471" cy="1456471"/>
+          </a:xfrm>
+          <a:prstGeom prst="rect">
+            <a:avLst/>
+          </a:prstGeom>
+          <a:noFill/>
+          <a:extLst>
+            <a:ext uri="{909E8E84-426E-40DD-AFC4-6F175D3DCCD1}">
+              <a14:hiddenFill xmlns:a14="http://schemas.microsoft.com/office/drawing/2010/main">
+                <a:solidFill>
+                  <a:srgbClr val="FFFFFF"/>
+                </a:solidFill>
+              </a14:hiddenFill>
+            </a:ext>
+          </a:extLst>
+        </p:spPr>
+      </p:pic>
+      <p:sp>
+        <p:nvSpPr>
+          <p:cNvPr id="38" name="37 Nube"/>
+          <p:cNvSpPr/>
+          <p:nvPr/>
+        </p:nvSpPr>
+        <p:spPr>
+          <a:xfrm>
+            <a:off x="6660232" y="4662038"/>
+            <a:ext cx="1655372" cy="1518325"/>
+          </a:xfrm>
+          <a:prstGeom prst="cloud">
+            <a:avLst/>
+          </a:prstGeom>
+        </p:spPr>
+        <p:style>
+          <a:lnRef idx="1">
+            <a:schemeClr val="accent1"/>
+          </a:lnRef>
+          <a:fillRef idx="2">
+            <a:schemeClr val="accent1"/>
+          </a:fillRef>
+          <a:effectRef idx="1">
+            <a:schemeClr val="accent1"/>
+          </a:effectRef>
+          <a:fontRef idx="minor">
+            <a:schemeClr val="dk1"/>
+          </a:fontRef>
+        </p:style>
+        <p:txBody>
+          <a:bodyPr rtlCol="0" anchor="ctr"/>
+          <a:lstStyle/>
+          <a:p>
+            <a:pPr algn="ctr"/>
+            <a:r>
+              <a:rPr lang="es-VE" dirty="0"/>
+              <a:t>Internet</a:t>
+            </a:r>
+          </a:p>
+        </p:txBody>
+      </p:sp>
+      <p:pic>
+        <p:nvPicPr>
+          <p:cNvPr id="2059" name="Picture 11" descr="http://www.yeastar.com/static/uploads/c84dtw17.png"/>
+          <p:cNvPicPr>
+            <a:picLocks noChangeAspect="1" noChangeArrowheads="1"/>
+          </p:cNvPicPr>
+          <p:nvPr/>
+        </p:nvPicPr>
+        <p:blipFill>
+          <a:blip r:embed="rId5" cstate="print">
+            <a:extLst>
+              <a:ext uri="{28A0092B-C50C-407E-A947-70E740481C1C}">
+                <a14:useLocalDpi xmlns:a14="http://schemas.microsoft.com/office/drawing/2010/main" val="0"/>
+              </a:ext>
+            </a:extLst>
+          </a:blip>
+          <a:srcRect/>
+          <a:stretch>
+            <a:fillRect/>
+          </a:stretch>
+        </p:blipFill>
+        <p:spPr bwMode="auto">
+          <a:xfrm>
+            <a:off x="2940398" y="4915053"/>
+            <a:ext cx="1518444" cy="1012296"/>
+          </a:xfrm>
+          <a:prstGeom prst="rect">
+            <a:avLst/>
+          </a:prstGeom>
+          <a:noFill/>
+          <a:extLst>
+            <a:ext uri="{909E8E84-426E-40DD-AFC4-6F175D3DCCD1}">
+              <a14:hiddenFill xmlns:a14="http://schemas.microsoft.com/office/drawing/2010/main">
+                <a:solidFill>
+                  <a:srgbClr val="FFFFFF"/>
+                </a:solidFill>
+              </a14:hiddenFill>
+            </a:ext>
+          </a:extLst>
+        </p:spPr>
+      </p:pic>
+      <p:cxnSp>
+        <p:nvCxnSpPr>
+          <p:cNvPr id="2073" name="2072 Conector angular"/>
+          <p:cNvCxnSpPr>
+            <a:stCxn id="4" idx="4"/>
+            <a:endCxn id="11" idx="2"/>
+          </p:cNvCxnSpPr>
+          <p:nvPr/>
+        </p:nvCxnSpPr>
+        <p:spPr>
+          <a:xfrm>
+            <a:off x="4254367" y="2374774"/>
+            <a:ext cx="2050960" cy="3353"/>
+          </a:xfrm>
+          <a:prstGeom prst="bentConnector3">
+            <a:avLst>
+              <a:gd name="adj1" fmla="val 50000"/>
+            </a:avLst>
+          </a:prstGeom>
+          <a:ln>
+            <a:headEnd type="arrow"/>
+            <a:tailEnd type="arrow"/>
+          </a:ln>
+        </p:spPr>
+        <p:style>
+          <a:lnRef idx="1">
+            <a:schemeClr val="accent1"/>
+          </a:lnRef>
+          <a:fillRef idx="0">
+            <a:schemeClr val="accent1"/>
+          </a:fillRef>
+          <a:effectRef idx="0">
+            <a:schemeClr val="accent1"/>
+          </a:effectRef>
+          <a:fontRef idx="minor">
+            <a:schemeClr val="tx1"/>
+          </a:fontRef>
+        </p:style>
+      </p:cxnSp>
+      <p:cxnSp>
+        <p:nvCxnSpPr>
+          <p:cNvPr id="51" name="50 Conector angular"/>
+          <p:cNvCxnSpPr>
+            <a:stCxn id="2055" idx="2"/>
+            <a:endCxn id="2059" idx="2"/>
+          </p:cNvCxnSpPr>
+          <p:nvPr/>
+        </p:nvCxnSpPr>
+        <p:spPr>
+          <a:xfrm rot="16200000" flipH="1">
+            <a:off x="2353085" y="4580814"/>
+            <a:ext cx="28018" cy="2665051"/>
+          </a:xfrm>
+          <a:prstGeom prst="bentConnector3">
+            <a:avLst>
+              <a:gd name="adj1" fmla="val 915904"/>
+            </a:avLst>
+          </a:prstGeom>
+          <a:ln>
+            <a:headEnd type="arrow"/>
+            <a:tailEnd type="arrow"/>
+          </a:ln>
+        </p:spPr>
+        <p:style>
+          <a:lnRef idx="1">
+            <a:schemeClr val="accent1"/>
+          </a:lnRef>
+          <a:fillRef idx="0">
+            <a:schemeClr val="accent1"/>
+          </a:fillRef>
+          <a:effectRef idx="0">
+            <a:schemeClr val="accent1"/>
+          </a:effectRef>
+          <a:fontRef idx="minor">
+            <a:schemeClr val="tx1"/>
+          </a:fontRef>
+        </p:style>
+      </p:cxnSp>
+      <p:cxnSp>
+        <p:nvCxnSpPr>
+          <p:cNvPr id="53" name="52 Conector angular"/>
+          <p:cNvCxnSpPr>
+            <a:stCxn id="36" idx="2"/>
+            <a:endCxn id="2059" idx="1"/>
+          </p:cNvCxnSpPr>
+          <p:nvPr/>
+        </p:nvCxnSpPr>
+        <p:spPr>
+          <a:xfrm rot="16200000" flipH="1">
+            <a:off x="2220643" y="4701445"/>
+            <a:ext cx="328727" cy="1110784"/>
+          </a:xfrm>
+          <a:prstGeom prst="bentConnector2">
+            <a:avLst/>
+          </a:prstGeom>
+          <a:ln>
+            <a:headEnd type="arrow"/>
+            <a:tailEnd type="arrow"/>
+          </a:ln>
+        </p:spPr>
+        <p:style>
+          <a:lnRef idx="1">
+            <a:schemeClr val="accent1"/>
+          </a:lnRef>
+          <a:fillRef idx="0">
+            <a:schemeClr val="accent1"/>
+          </a:fillRef>
+          <a:effectRef idx="0">
+            <a:schemeClr val="accent1"/>
+          </a:effectRef>
+          <a:fontRef idx="minor">
+            <a:schemeClr val="tx1"/>
+          </a:fontRef>
+        </p:style>
+      </p:cxnSp>
+      <p:cxnSp>
+        <p:nvCxnSpPr>
+          <p:cNvPr id="57" name="56 Conector angular"/>
+          <p:cNvCxnSpPr>
+            <a:stCxn id="2059" idx="3"/>
+            <a:endCxn id="2057" idx="1"/>
+          </p:cNvCxnSpPr>
+          <p:nvPr/>
+        </p:nvCxnSpPr>
+        <p:spPr>
+          <a:xfrm>
+            <a:off x="4458842" y="5421201"/>
+            <a:ext cx="401190" cy="1453"/>
+          </a:xfrm>
+          <a:prstGeom prst="bentConnector3">
+            <a:avLst/>
+          </a:prstGeom>
+          <a:ln>
+            <a:headEnd type="arrow"/>
+            <a:tailEnd type="arrow"/>
+          </a:ln>
+        </p:spPr>
+        <p:style>
+          <a:lnRef idx="1">
+            <a:schemeClr val="accent1"/>
+          </a:lnRef>
+          <a:fillRef idx="0">
+            <a:schemeClr val="accent1"/>
+          </a:fillRef>
+          <a:effectRef idx="0">
+            <a:schemeClr val="accent1"/>
+          </a:effectRef>
+          <a:fontRef idx="minor">
+            <a:schemeClr val="tx1"/>
+          </a:fontRef>
+        </p:style>
+      </p:cxnSp>
+      <p:cxnSp>
+        <p:nvCxnSpPr>
+          <p:cNvPr id="62" name="61 Conector angular"/>
+          <p:cNvCxnSpPr>
+            <a:stCxn id="2057" idx="3"/>
+            <a:endCxn id="38" idx="2"/>
+          </p:cNvCxnSpPr>
+          <p:nvPr/>
+        </p:nvCxnSpPr>
+        <p:spPr>
+          <a:xfrm flipV="1">
+            <a:off x="6316503" y="5421201"/>
+            <a:ext cx="348864" cy="1453"/>
+          </a:xfrm>
+          <a:prstGeom prst="bentConnector3">
+            <a:avLst/>
+          </a:prstGeom>
+          <a:ln>
+            <a:headEnd type="arrow"/>
+            <a:tailEnd type="arrow"/>
+          </a:ln>
+        </p:spPr>
+        <p:style>
+          <a:lnRef idx="1">
+            <a:schemeClr val="accent1"/>
+          </a:lnRef>
+          <a:fillRef idx="0">
+            <a:schemeClr val="accent1"/>
+          </a:fillRef>
+          <a:effectRef idx="0">
+            <a:schemeClr val="accent1"/>
+          </a:effectRef>
+          <a:fontRef idx="minor">
+            <a:schemeClr val="tx1"/>
+          </a:fontRef>
+        </p:style>
+      </p:cxnSp>
+      <p:sp>
+        <p:nvSpPr>
+          <p:cNvPr id="2084" name="2083 Rectángulo"/>
+          <p:cNvSpPr/>
+          <p:nvPr/>
+        </p:nvSpPr>
+        <p:spPr>
+          <a:xfrm>
+            <a:off x="2575764" y="5607064"/>
+            <a:ext cx="1369962" cy="369332"/>
+          </a:xfrm>
+          <a:prstGeom prst="rect">
+            <a:avLst/>
+          </a:prstGeom>
+          <a:noFill/>
+        </p:spPr>
+        <p:txBody>
+          <a:bodyPr wrap="square" lIns="91440" tIns="45720" rIns="91440" bIns="45720">
+            <a:spAutoFit/>
+          </a:bodyPr>
+          <a:lstStyle/>
+          <a:p>
+            <a:pPr algn="ctr"/>
+            <a:r>
+              <a:rPr lang="es-ES" b="1" dirty="0">
+                <a:ln w="17780" cmpd="sng">
+                  <a:solidFill>
+                    <a:srgbClr val="FFFFFF"/>
+                  </a:solidFill>
+                  <a:prstDash val="solid"/>
+                  <a:miter lim="800000"/>
+                </a:ln>
+              </a:rPr>
+              <a:t>SWITCH</a:t>
+            </a:r>
+          </a:p>
+        </p:txBody>
+      </p:sp>
+      <p:pic>
+        <p:nvPicPr>
+          <p:cNvPr id="2050" name="Picture 2" descr="Resultado de imagen para gateway voip"/>
+          <p:cNvPicPr>
+            <a:picLocks noChangeAspect="1" noChangeArrowheads="1"/>
+          </p:cNvPicPr>
+          <p:nvPr/>
+        </p:nvPicPr>
+        <p:blipFill>
+          <a:blip r:embed="rId6" cstate="print">
+            <a:extLst>
+              <a:ext uri="{28A0092B-C50C-407E-A947-70E740481C1C}">
+                <a14:useLocalDpi xmlns:a14="http://schemas.microsoft.com/office/drawing/2010/main" val="0"/>
+              </a:ext>
+            </a:extLst>
+          </a:blip>
+          <a:srcRect/>
+          <a:stretch>
+            <a:fillRect/>
+          </a:stretch>
+        </p:blipFill>
+        <p:spPr bwMode="auto">
+          <a:xfrm>
+            <a:off x="2809836" y="3486584"/>
+            <a:ext cx="1527559" cy="1044469"/>
+          </a:xfrm>
+          <a:prstGeom prst="rect">
+            <a:avLst/>
+          </a:prstGeom>
+          <a:noFill/>
+          <a:extLst>
+            <a:ext uri="{909E8E84-426E-40DD-AFC4-6F175D3DCCD1}">
+              <a14:hiddenFill xmlns:a14="http://schemas.microsoft.com/office/drawing/2010/main">
+                <a:solidFill>
+                  <a:srgbClr val="FFFFFF"/>
+                </a:solidFill>
+              </a14:hiddenFill>
+            </a:ext>
+          </a:extLst>
+        </p:spPr>
+      </p:pic>
+      <p:sp>
+        <p:nvSpPr>
+          <p:cNvPr id="28" name="2083 Rectángulo"/>
+          <p:cNvSpPr/>
+          <p:nvPr/>
+        </p:nvSpPr>
+        <p:spPr>
+          <a:xfrm>
+            <a:off x="2182446" y="3376076"/>
+            <a:ext cx="1369962" cy="369332"/>
+          </a:xfrm>
+          <a:prstGeom prst="rect">
+            <a:avLst/>
+          </a:prstGeom>
+          <a:noFill/>
+        </p:spPr>
+        <p:txBody>
+          <a:bodyPr wrap="square" lIns="91440" tIns="45720" rIns="91440" bIns="45720">
+            <a:spAutoFit/>
+          </a:bodyPr>
+          <a:lstStyle/>
+          <a:p>
+            <a:pPr algn="ctr"/>
+            <a:r>
+              <a:rPr lang="es-ES" b="1" dirty="0">
+                <a:ln w="17780" cmpd="sng">
+                  <a:solidFill>
+                    <a:srgbClr val="FFFFFF"/>
+                  </a:solidFill>
+                  <a:prstDash val="solid"/>
+                  <a:miter lim="800000"/>
+                </a:ln>
+              </a:rPr>
+              <a:t>Pasarela</a:t>
+            </a:r>
+          </a:p>
+        </p:txBody>
+      </p:sp>
+      <p:cxnSp>
+        <p:nvCxnSpPr>
+          <p:cNvPr id="22" name="Conector: angular 21"/>
+          <p:cNvCxnSpPr/>
+          <p:nvPr/>
+        </p:nvCxnSpPr>
+        <p:spPr>
+          <a:xfrm rot="16200000" flipH="1">
+            <a:off x="3175234" y="4763487"/>
+            <a:ext cx="796765" cy="1"/>
+          </a:xfrm>
+          <a:prstGeom prst="bentConnector3">
+            <a:avLst/>
+          </a:prstGeom>
+          <a:ln>
+            <a:headEnd type="triangle"/>
+            <a:tailEnd type="triangle"/>
+          </a:ln>
+        </p:spPr>
+        <p:style>
+          <a:lnRef idx="1">
+            <a:schemeClr val="accent1"/>
+          </a:lnRef>
+          <a:fillRef idx="0">
+            <a:schemeClr val="accent1"/>
+          </a:fillRef>
+          <a:effectRef idx="0">
+            <a:schemeClr val="accent1"/>
+          </a:effectRef>
+          <a:fontRef idx="minor">
+            <a:schemeClr val="tx1"/>
+          </a:fontRef>
+        </p:style>
+      </p:cxnSp>
+      <p:cxnSp>
+        <p:nvCxnSpPr>
+          <p:cNvPr id="29" name="Conector: angular 28"/>
+          <p:cNvCxnSpPr>
+            <a:stCxn id="4" idx="3"/>
+          </p:cNvCxnSpPr>
+          <p:nvPr/>
+        </p:nvCxnSpPr>
+        <p:spPr>
+          <a:xfrm rot="16200000" flipH="1">
+            <a:off x="3161753" y="3161153"/>
+            <a:ext cx="802519" cy="21207"/>
+          </a:xfrm>
+          <a:prstGeom prst="bentConnector3">
+            <a:avLst/>
+          </a:prstGeom>
+          <a:ln>
+            <a:headEnd type="triangle"/>
+            <a:tailEnd type="triangle"/>
+          </a:ln>
+        </p:spPr>
+        <p:style>
+          <a:lnRef idx="1">
+            <a:schemeClr val="accent1"/>
+          </a:lnRef>
+          <a:fillRef idx="0">
+            <a:schemeClr val="accent1"/>
+          </a:fillRef>
+          <a:effectRef idx="0">
+            <a:schemeClr val="accent1"/>
+          </a:effectRef>
+          <a:fontRef idx="minor">
+            <a:schemeClr val="tx1"/>
+          </a:fontRef>
+        </p:style>
+      </p:cxnSp>
     </p:spTree>
     <p:extLst>
       <p:ext uri="{BB962C8B-B14F-4D97-AF65-F5344CB8AC3E}">
-        <p14:creationId xmlns:p14="http://schemas.microsoft.com/office/powerpoint/2010/main" val="85789343"/>
+        <p14:creationId xmlns:p14="http://schemas.microsoft.com/office/powerpoint/2010/main" val="1397374613"/>
       </p:ext>
     </p:extLst>
   </p:cSld>
@@ -5359,7 +6338,7 @@
       </p:grpSpPr>
       <p:sp>
         <p:nvSpPr>
-          <p:cNvPr id="2" name="1 Título"/>
+          <p:cNvPr id="2" name="Título 1"/>
           <p:cNvSpPr>
             <a:spLocks noGrp="1"/>
           </p:cNvSpPr>
@@ -5367,26 +6346,21 @@
             <p:ph type="title"/>
           </p:nvPr>
         </p:nvSpPr>
-        <p:spPr>
-          <a:xfrm>
-            <a:off x="457200" y="-27384"/>
-            <a:ext cx="8229600" cy="1143000"/>
-          </a:xfrm>
-        </p:spPr>
+        <p:spPr/>
         <p:txBody>
           <a:bodyPr/>
           <a:lstStyle/>
           <a:p>
             <a:r>
               <a:rPr lang="es-VE" dirty="0"/>
-              <a:t>Pasarela o Gateway</a:t>
+              <a:t>ATA</a:t>
             </a:r>
           </a:p>
         </p:txBody>
       </p:sp>
       <p:pic>
         <p:nvPicPr>
-          <p:cNvPr id="7" name="Picture 2" descr="C:\Users\Administrator\AppData\Local\Microsoft\Windows\Temporary Internet Files\Content.IE5\WBTBN15A\telefono[1].jpg"/>
+          <p:cNvPr id="6" name="Picture 2" descr="C:\Users\Administrator\AppData\Local\Microsoft\Windows\Temporary Internet Files\Content.IE5\WBTBN15A\telefono[1].jpg"/>
           <p:cNvPicPr>
             <a:picLocks noChangeAspect="1" noChangeArrowheads="1"/>
           </p:cNvPicPr>
@@ -5407,8 +6381,8 @@
         </p:blipFill>
         <p:spPr bwMode="auto">
           <a:xfrm>
-            <a:off x="611560" y="1233361"/>
-            <a:ext cx="771208" cy="771207"/>
+            <a:off x="193725" y="4384336"/>
+            <a:ext cx="2016228" cy="2016224"/>
           </a:xfrm>
           <a:prstGeom prst="rect">
             <a:avLst/>
@@ -5427,29 +6401,27 @@
       </p:pic>
       <p:pic>
         <p:nvPicPr>
-          <p:cNvPr id="8" name="Picture 2" descr="C:\Users\Administrator\AppData\Local\Microsoft\Windows\Temporary Internet Files\Content.IE5\WBTBN15A\telefono[1].jpg"/>
+          <p:cNvPr id="7" name="Picture 11" descr="http://www.yeastar.com/static/uploads/c84dtw17.png"/>
           <p:cNvPicPr>
             <a:picLocks noChangeAspect="1" noChangeArrowheads="1"/>
           </p:cNvPicPr>
           <p:nvPr/>
         </p:nvPicPr>
-        <p:blipFill>
-          <a:blip r:embed="rId2" cstate="print">
+        <p:blipFill rotWithShape="1">
+          <a:blip r:embed="rId3" cstate="print">
             <a:extLst>
               <a:ext uri="{28A0092B-C50C-407E-A947-70E740481C1C}">
                 <a14:useLocalDpi xmlns:a14="http://schemas.microsoft.com/office/drawing/2010/main" val="0"/>
               </a:ext>
             </a:extLst>
           </a:blip>
-          <a:srcRect/>
-          <a:stretch>
-            <a:fillRect/>
-          </a:stretch>
+          <a:srcRect t="16728" b="28433"/>
+          <a:stretch/>
         </p:blipFill>
         <p:spPr bwMode="auto">
           <a:xfrm>
-            <a:off x="1538204" y="936926"/>
-            <a:ext cx="771208" cy="771207"/>
+            <a:off x="2316374" y="2965188"/>
+            <a:ext cx="3335746" cy="1219509"/>
           </a:xfrm>
           <a:prstGeom prst="rect">
             <a:avLst/>
@@ -5466,256 +6438,9 @@
           </a:extLst>
         </p:spPr>
       </p:pic>
-      <p:sp>
-        <p:nvSpPr>
-          <p:cNvPr id="4" name="3 Cubo"/>
-          <p:cNvSpPr/>
-          <p:nvPr/>
-        </p:nvSpPr>
-        <p:spPr>
-          <a:xfrm>
-            <a:off x="2850452" y="1715233"/>
-            <a:ext cx="1667731" cy="1055265"/>
-          </a:xfrm>
-          <a:prstGeom prst="cube">
-            <a:avLst/>
-          </a:prstGeom>
-        </p:spPr>
-        <p:style>
-          <a:lnRef idx="1">
-            <a:schemeClr val="accent1"/>
-          </a:lnRef>
-          <a:fillRef idx="2">
-            <a:schemeClr val="accent1"/>
-          </a:fillRef>
-          <a:effectRef idx="1">
-            <a:schemeClr val="accent1"/>
-          </a:effectRef>
-          <a:fontRef idx="minor">
-            <a:schemeClr val="dk1"/>
-          </a:fontRef>
-        </p:style>
-        <p:txBody>
-          <a:bodyPr rtlCol="0" anchor="ctr"/>
-          <a:lstStyle/>
-          <a:p>
-            <a:pPr algn="ctr"/>
-            <a:r>
-              <a:rPr lang="es-VE" dirty="0"/>
-              <a:t>Central Telefónica</a:t>
-            </a:r>
-          </a:p>
-          <a:p>
-            <a:pPr algn="ctr"/>
-            <a:r>
-              <a:rPr lang="es-VE" dirty="0"/>
-              <a:t>PABX</a:t>
-            </a:r>
-          </a:p>
-        </p:txBody>
-      </p:sp>
-      <p:sp>
-        <p:nvSpPr>
-          <p:cNvPr id="11" name="10 Nube"/>
-          <p:cNvSpPr/>
-          <p:nvPr/>
-        </p:nvSpPr>
-        <p:spPr>
-          <a:xfrm>
-            <a:off x="6300192" y="1618964"/>
-            <a:ext cx="1655372" cy="1518325"/>
-          </a:xfrm>
-          <a:prstGeom prst="cloud">
-            <a:avLst/>
-          </a:prstGeom>
-        </p:spPr>
-        <p:style>
-          <a:lnRef idx="1">
-            <a:schemeClr val="accent1"/>
-          </a:lnRef>
-          <a:fillRef idx="2">
-            <a:schemeClr val="accent1"/>
-          </a:fillRef>
-          <a:effectRef idx="1">
-            <a:schemeClr val="accent1"/>
-          </a:effectRef>
-          <a:fontRef idx="minor">
-            <a:schemeClr val="dk1"/>
-          </a:fontRef>
-        </p:style>
-        <p:txBody>
-          <a:bodyPr rtlCol="0" anchor="ctr"/>
-          <a:lstStyle/>
-          <a:p>
-            <a:pPr algn="ctr"/>
-            <a:r>
-              <a:rPr lang="es-VE" dirty="0"/>
-              <a:t>PSTN</a:t>
-            </a:r>
-          </a:p>
-        </p:txBody>
-      </p:sp>
-      <p:cxnSp>
-        <p:nvCxnSpPr>
-          <p:cNvPr id="13" name="12 Conector angular"/>
-          <p:cNvCxnSpPr>
-            <a:stCxn id="8" idx="2"/>
-            <a:endCxn id="4" idx="1"/>
-          </p:cNvCxnSpPr>
-          <p:nvPr/>
-        </p:nvCxnSpPr>
-        <p:spPr>
-          <a:xfrm rot="16200000" flipH="1">
-            <a:off x="2602650" y="1029290"/>
-            <a:ext cx="270916" cy="1628601"/>
-          </a:xfrm>
-          <a:prstGeom prst="bentConnector3">
-            <a:avLst>
-              <a:gd name="adj1" fmla="val 50000"/>
-            </a:avLst>
-          </a:prstGeom>
-          <a:ln>
-            <a:headEnd type="arrow"/>
-            <a:tailEnd type="arrow"/>
-          </a:ln>
-        </p:spPr>
-        <p:style>
-          <a:lnRef idx="1">
-            <a:schemeClr val="accent1"/>
-          </a:lnRef>
-          <a:fillRef idx="0">
-            <a:schemeClr val="accent1"/>
-          </a:fillRef>
-          <a:effectRef idx="0">
-            <a:schemeClr val="accent1"/>
-          </a:effectRef>
-          <a:fontRef idx="minor">
-            <a:schemeClr val="tx1"/>
-          </a:fontRef>
-        </p:style>
-      </p:cxnSp>
-      <p:cxnSp>
-        <p:nvCxnSpPr>
-          <p:cNvPr id="20" name="19 Conector angular"/>
-          <p:cNvCxnSpPr>
-            <a:stCxn id="7" idx="2"/>
-            <a:endCxn id="4" idx="2"/>
-          </p:cNvCxnSpPr>
-          <p:nvPr/>
-        </p:nvCxnSpPr>
-        <p:spPr>
-          <a:xfrm rot="16200000" flipH="1">
-            <a:off x="1738705" y="1263027"/>
-            <a:ext cx="370206" cy="1853288"/>
-          </a:xfrm>
-          <a:prstGeom prst="bentConnector2">
-            <a:avLst/>
-          </a:prstGeom>
-          <a:ln>
-            <a:headEnd type="arrow"/>
-            <a:tailEnd type="arrow"/>
-          </a:ln>
-        </p:spPr>
-        <p:style>
-          <a:lnRef idx="1">
-            <a:schemeClr val="accent1"/>
-          </a:lnRef>
-          <a:fillRef idx="0">
-            <a:schemeClr val="accent1"/>
-          </a:fillRef>
-          <a:effectRef idx="0">
-            <a:schemeClr val="accent1"/>
-          </a:effectRef>
-          <a:fontRef idx="minor">
-            <a:schemeClr val="tx1"/>
-          </a:fontRef>
-        </p:style>
-      </p:cxnSp>
       <p:pic>
         <p:nvPicPr>
-          <p:cNvPr id="2055" name="Picture 7" descr="https://s3-eu-west-1.amazonaws.com/net-xl-products/017ad132-9d6f-4fd1-a739-82dcdee0bc2d.png"/>
-          <p:cNvPicPr>
-            <a:picLocks noChangeAspect="1" noChangeArrowheads="1"/>
-          </p:cNvPicPr>
-          <p:nvPr/>
-        </p:nvPicPr>
-        <p:blipFill>
-          <a:blip r:embed="rId3" cstate="print">
-            <a:extLst>
-              <a:ext uri="{28A0092B-C50C-407E-A947-70E740481C1C}">
-                <a14:useLocalDpi xmlns:a14="http://schemas.microsoft.com/office/drawing/2010/main" val="0"/>
-              </a:ext>
-            </a:extLst>
-          </a:blip>
-          <a:srcRect/>
-          <a:stretch>
-            <a:fillRect/>
-          </a:stretch>
-        </p:blipFill>
-        <p:spPr bwMode="auto">
-          <a:xfrm>
-            <a:off x="658986" y="5225569"/>
-            <a:ext cx="751165" cy="673762"/>
-          </a:xfrm>
-          <a:prstGeom prst="rect">
-            <a:avLst/>
-          </a:prstGeom>
-          <a:noFill/>
-          <a:extLst>
-            <a:ext uri="{909E8E84-426E-40DD-AFC4-6F175D3DCCD1}">
-              <a14:hiddenFill xmlns:a14="http://schemas.microsoft.com/office/drawing/2010/main">
-                <a:solidFill>
-                  <a:srgbClr val="FFFFFF"/>
-                </a:solidFill>
-              </a14:hiddenFill>
-            </a:ext>
-          </a:extLst>
-        </p:spPr>
-      </p:pic>
-      <p:pic>
-        <p:nvPicPr>
-          <p:cNvPr id="36" name="Picture 7" descr="https://s3-eu-west-1.amazonaws.com/net-xl-products/017ad132-9d6f-4fd1-a739-82dcdee0bc2d.png"/>
-          <p:cNvPicPr>
-            <a:picLocks noChangeAspect="1" noChangeArrowheads="1"/>
-          </p:cNvPicPr>
-          <p:nvPr/>
-        </p:nvPicPr>
-        <p:blipFill>
-          <a:blip r:embed="rId3" cstate="print">
-            <a:extLst>
-              <a:ext uri="{28A0092B-C50C-407E-A947-70E740481C1C}">
-                <a14:useLocalDpi xmlns:a14="http://schemas.microsoft.com/office/drawing/2010/main" val="0"/>
-              </a:ext>
-            </a:extLst>
-          </a:blip>
-          <a:srcRect/>
-          <a:stretch>
-            <a:fillRect/>
-          </a:stretch>
-        </p:blipFill>
-        <p:spPr bwMode="auto">
-          <a:xfrm>
-            <a:off x="1454031" y="4418712"/>
-            <a:ext cx="751165" cy="673762"/>
-          </a:xfrm>
-          <a:prstGeom prst="rect">
-            <a:avLst/>
-          </a:prstGeom>
-          <a:noFill/>
-          <a:extLst>
-            <a:ext uri="{909E8E84-426E-40DD-AFC4-6F175D3DCCD1}">
-              <a14:hiddenFill xmlns:a14="http://schemas.microsoft.com/office/drawing/2010/main">
-                <a:solidFill>
-                  <a:srgbClr val="FFFFFF"/>
-                </a:solidFill>
-              </a14:hiddenFill>
-            </a:ext>
-          </a:extLst>
-        </p:spPr>
-      </p:pic>
-      <p:pic>
-        <p:nvPicPr>
-          <p:cNvPr id="2057" name="Picture 9" descr="http://www.instavocomtech.com/assets/img/Hosted%20IP-PBX-Icon.png"/>
+          <p:cNvPr id="8" name="Picture 9" descr="http://www.instavocomtech.com/assets/img/Hosted%20IP-PBX-Icon.png"/>
           <p:cNvPicPr>
             <a:picLocks noChangeAspect="1" noChangeArrowheads="1"/>
           </p:cNvPicPr>
@@ -5736,8 +6461,8 @@
         </p:blipFill>
         <p:spPr bwMode="auto">
           <a:xfrm>
-            <a:off x="4860032" y="4694418"/>
-            <a:ext cx="1456471" cy="1456471"/>
+            <a:off x="6355895" y="4332085"/>
+            <a:ext cx="1946456" cy="1946456"/>
           </a:xfrm>
           <a:prstGeom prst="rect">
             <a:avLst/>
@@ -5756,14 +6481,14 @@
       </p:pic>
       <p:sp>
         <p:nvSpPr>
-          <p:cNvPr id="38" name="37 Nube"/>
+          <p:cNvPr id="9" name="37 Nube"/>
           <p:cNvSpPr/>
           <p:nvPr/>
         </p:nvSpPr>
         <p:spPr>
           <a:xfrm>
-            <a:off x="6660232" y="4662038"/>
-            <a:ext cx="1655372" cy="1518325"/>
+            <a:off x="6113945" y="1220927"/>
+            <a:ext cx="2430356" cy="1990218"/>
           </a:xfrm>
           <a:prstGeom prst="cloud">
             <a:avLst/>
@@ -5789,7 +6514,7 @@
           <a:p>
             <a:pPr algn="ctr"/>
             <a:r>
-              <a:rPr lang="es-VE" dirty="0"/>
+              <a:rPr lang="es-VE" sz="2800" dirty="0"/>
               <a:t>Internet</a:t>
             </a:r>
           </a:p>
@@ -5797,7 +6522,7 @@
       </p:sp>
       <p:pic>
         <p:nvPicPr>
-          <p:cNvPr id="2059" name="Picture 11" descr="http://www.yeastar.com/static/uploads/c84dtw17.png"/>
+          <p:cNvPr id="11" name="Picture 6" descr="http://cdn2.pcadvisor.co.uk/cmsdata/reviews/3324390/DinoPC.jpg"/>
           <p:cNvPicPr>
             <a:picLocks noChangeAspect="1" noChangeArrowheads="1"/>
           </p:cNvPicPr>
@@ -5818,8 +6543,8 @@
         </p:blipFill>
         <p:spPr bwMode="auto">
           <a:xfrm>
-            <a:off x="2940398" y="4915053"/>
-            <a:ext cx="1518444" cy="1012296"/>
+            <a:off x="247552" y="1245285"/>
+            <a:ext cx="2488458" cy="1651713"/>
           </a:xfrm>
           <a:prstGeom prst="rect">
             <a:avLst/>
@@ -5836,242 +6561,15 @@
           </a:extLst>
         </p:spPr>
       </p:pic>
-      <p:cxnSp>
-        <p:nvCxnSpPr>
-          <p:cNvPr id="2073" name="2072 Conector angular"/>
-          <p:cNvCxnSpPr>
-            <a:stCxn id="4" idx="4"/>
-            <a:endCxn id="11" idx="2"/>
-          </p:cNvCxnSpPr>
-          <p:nvPr/>
-        </p:nvCxnSpPr>
-        <p:spPr>
-          <a:xfrm>
-            <a:off x="4254367" y="2374774"/>
-            <a:ext cx="2050960" cy="3353"/>
-          </a:xfrm>
-          <a:prstGeom prst="bentConnector3">
-            <a:avLst>
-              <a:gd name="adj1" fmla="val 50000"/>
-            </a:avLst>
-          </a:prstGeom>
-          <a:ln>
-            <a:headEnd type="arrow"/>
-            <a:tailEnd type="arrow"/>
-          </a:ln>
-        </p:spPr>
-        <p:style>
-          <a:lnRef idx="1">
-            <a:schemeClr val="accent1"/>
-          </a:lnRef>
-          <a:fillRef idx="0">
-            <a:schemeClr val="accent1"/>
-          </a:fillRef>
-          <a:effectRef idx="0">
-            <a:schemeClr val="accent1"/>
-          </a:effectRef>
-          <a:fontRef idx="minor">
-            <a:schemeClr val="tx1"/>
-          </a:fontRef>
-        </p:style>
-      </p:cxnSp>
-      <p:cxnSp>
-        <p:nvCxnSpPr>
-          <p:cNvPr id="51" name="50 Conector angular"/>
-          <p:cNvCxnSpPr>
-            <a:stCxn id="2055" idx="2"/>
-            <a:endCxn id="2059" idx="2"/>
-          </p:cNvCxnSpPr>
-          <p:nvPr/>
-        </p:nvCxnSpPr>
-        <p:spPr>
-          <a:xfrm rot="16200000" flipH="1">
-            <a:off x="2353085" y="4580814"/>
-            <a:ext cx="28018" cy="2665051"/>
-          </a:xfrm>
-          <a:prstGeom prst="bentConnector3">
-            <a:avLst>
-              <a:gd name="adj1" fmla="val 915904"/>
-            </a:avLst>
-          </a:prstGeom>
-          <a:ln>
-            <a:headEnd type="arrow"/>
-            <a:tailEnd type="arrow"/>
-          </a:ln>
-        </p:spPr>
-        <p:style>
-          <a:lnRef idx="1">
-            <a:schemeClr val="accent1"/>
-          </a:lnRef>
-          <a:fillRef idx="0">
-            <a:schemeClr val="accent1"/>
-          </a:fillRef>
-          <a:effectRef idx="0">
-            <a:schemeClr val="accent1"/>
-          </a:effectRef>
-          <a:fontRef idx="minor">
-            <a:schemeClr val="tx1"/>
-          </a:fontRef>
-        </p:style>
-      </p:cxnSp>
-      <p:cxnSp>
-        <p:nvCxnSpPr>
-          <p:cNvPr id="53" name="52 Conector angular"/>
-          <p:cNvCxnSpPr>
-            <a:stCxn id="36" idx="2"/>
-            <a:endCxn id="2059" idx="1"/>
-          </p:cNvCxnSpPr>
-          <p:nvPr/>
-        </p:nvCxnSpPr>
-        <p:spPr>
-          <a:xfrm rot="16200000" flipH="1">
-            <a:off x="2220643" y="4701445"/>
-            <a:ext cx="328727" cy="1110784"/>
-          </a:xfrm>
-          <a:prstGeom prst="bentConnector2">
-            <a:avLst/>
-          </a:prstGeom>
-          <a:ln>
-            <a:headEnd type="arrow"/>
-            <a:tailEnd type="arrow"/>
-          </a:ln>
-        </p:spPr>
-        <p:style>
-          <a:lnRef idx="1">
-            <a:schemeClr val="accent1"/>
-          </a:lnRef>
-          <a:fillRef idx="0">
-            <a:schemeClr val="accent1"/>
-          </a:fillRef>
-          <a:effectRef idx="0">
-            <a:schemeClr val="accent1"/>
-          </a:effectRef>
-          <a:fontRef idx="minor">
-            <a:schemeClr val="tx1"/>
-          </a:fontRef>
-        </p:style>
-      </p:cxnSp>
-      <p:cxnSp>
-        <p:nvCxnSpPr>
-          <p:cNvPr id="57" name="56 Conector angular"/>
-          <p:cNvCxnSpPr>
-            <a:stCxn id="2059" idx="3"/>
-            <a:endCxn id="2057" idx="1"/>
-          </p:cNvCxnSpPr>
-          <p:nvPr/>
-        </p:nvCxnSpPr>
-        <p:spPr>
-          <a:xfrm>
-            <a:off x="4458842" y="5421201"/>
-            <a:ext cx="401190" cy="1453"/>
-          </a:xfrm>
-          <a:prstGeom prst="bentConnector3">
-            <a:avLst/>
-          </a:prstGeom>
-          <a:ln>
-            <a:headEnd type="arrow"/>
-            <a:tailEnd type="arrow"/>
-          </a:ln>
-        </p:spPr>
-        <p:style>
-          <a:lnRef idx="1">
-            <a:schemeClr val="accent1"/>
-          </a:lnRef>
-          <a:fillRef idx="0">
-            <a:schemeClr val="accent1"/>
-          </a:fillRef>
-          <a:effectRef idx="0">
-            <a:schemeClr val="accent1"/>
-          </a:effectRef>
-          <a:fontRef idx="minor">
-            <a:schemeClr val="tx1"/>
-          </a:fontRef>
-        </p:style>
-      </p:cxnSp>
-      <p:cxnSp>
-        <p:nvCxnSpPr>
-          <p:cNvPr id="62" name="61 Conector angular"/>
-          <p:cNvCxnSpPr>
-            <a:stCxn id="2057" idx="3"/>
-            <a:endCxn id="38" idx="2"/>
-          </p:cNvCxnSpPr>
-          <p:nvPr/>
-        </p:nvCxnSpPr>
-        <p:spPr>
-          <a:xfrm flipV="1">
-            <a:off x="6316503" y="5421201"/>
-            <a:ext cx="348864" cy="1453"/>
-          </a:xfrm>
-          <a:prstGeom prst="bentConnector3">
-            <a:avLst/>
-          </a:prstGeom>
-          <a:ln>
-            <a:headEnd type="arrow"/>
-            <a:tailEnd type="arrow"/>
-          </a:ln>
-        </p:spPr>
-        <p:style>
-          <a:lnRef idx="1">
-            <a:schemeClr val="accent1"/>
-          </a:lnRef>
-          <a:fillRef idx="0">
-            <a:schemeClr val="accent1"/>
-          </a:fillRef>
-          <a:effectRef idx="0">
-            <a:schemeClr val="accent1"/>
-          </a:effectRef>
-          <a:fontRef idx="minor">
-            <a:schemeClr val="tx1"/>
-          </a:fontRef>
-        </p:style>
-      </p:cxnSp>
-      <p:sp>
-        <p:nvSpPr>
-          <p:cNvPr id="2084" name="2083 Rectángulo"/>
-          <p:cNvSpPr/>
-          <p:nvPr/>
-        </p:nvSpPr>
-        <p:spPr>
-          <a:xfrm>
-            <a:off x="2575764" y="5607064"/>
-            <a:ext cx="1369962" cy="369332"/>
-          </a:xfrm>
-          <a:prstGeom prst="rect">
-            <a:avLst/>
-          </a:prstGeom>
-          <a:noFill/>
-        </p:spPr>
-        <p:txBody>
-          <a:bodyPr wrap="square" lIns="91440" tIns="45720" rIns="91440" bIns="45720">
-            <a:spAutoFit/>
-          </a:bodyPr>
-          <a:lstStyle/>
-          <a:p>
-            <a:pPr algn="ctr"/>
-            <a:r>
-              <a:rPr lang="es-ES" b="1" dirty="0">
-                <a:ln w="17780" cmpd="sng">
-                  <a:solidFill>
-                    <a:srgbClr val="FFFFFF"/>
-                  </a:solidFill>
-                  <a:prstDash val="solid"/>
-                  <a:miter lim="800000"/>
-                </a:ln>
-              </a:rPr>
-              <a:t>SWITCH</a:t>
-            </a:r>
-          </a:p>
-        </p:txBody>
-      </p:sp>
       <p:pic>
         <p:nvPicPr>
-          <p:cNvPr id="2050" name="Picture 2" descr="Resultado de imagen para gateway voip"/>
+          <p:cNvPr id="1030" name="Picture 6" descr="Resultado de imagen para conector ata voip"/>
           <p:cNvPicPr>
             <a:picLocks noChangeAspect="1" noChangeArrowheads="1"/>
           </p:cNvPicPr>
           <p:nvPr/>
         </p:nvPicPr>
-        <p:blipFill>
+        <p:blipFill rotWithShape="1">
           <a:blip r:embed="rId6" cstate="print">
             <a:extLst>
               <a:ext uri="{28A0092B-C50C-407E-A947-70E740481C1C}">
@@ -6079,15 +6577,13 @@
               </a:ext>
             </a:extLst>
           </a:blip>
-          <a:srcRect/>
-          <a:stretch>
-            <a:fillRect/>
-          </a:stretch>
+          <a:srcRect l="-3013" t="19048" b="11728"/>
+          <a:stretch/>
         </p:blipFill>
         <p:spPr bwMode="auto">
           <a:xfrm>
-            <a:off x="2809836" y="3486584"/>
-            <a:ext cx="1527559" cy="1044469"/>
+            <a:off x="2938189" y="4690998"/>
+            <a:ext cx="2092116" cy="1405877"/>
           </a:xfrm>
           <a:prstGeom prst="rect">
             <a:avLst/>
@@ -6106,14 +6602,14 @@
       </p:pic>
       <p:sp>
         <p:nvSpPr>
-          <p:cNvPr id="28" name="2083 Rectángulo"/>
+          <p:cNvPr id="13" name="15 Rectángulo"/>
           <p:cNvSpPr/>
           <p:nvPr/>
         </p:nvSpPr>
         <p:spPr>
           <a:xfrm>
-            <a:off x="2182446" y="3376076"/>
-            <a:ext cx="1369962" cy="369332"/>
+            <a:off x="2780306" y="2896998"/>
+            <a:ext cx="1369962" cy="461665"/>
           </a:xfrm>
           <a:prstGeom prst="rect">
             <a:avLst/>
@@ -6128,7 +6624,7 @@
           <a:p>
             <a:pPr algn="ctr"/>
             <a:r>
-              <a:rPr lang="es-ES" b="1" dirty="0">
+              <a:rPr lang="es-ES" sz="2400" b="1" dirty="0">
                 <a:ln w="17780" cmpd="sng">
                   <a:solidFill>
                     <a:srgbClr val="FFFFFF"/>
@@ -6137,23 +6633,64 @@
                   <a:miter lim="800000"/>
                 </a:ln>
               </a:rPr>
-              <a:t>Pasarela</a:t>
+              <a:t>SWITCH</a:t>
+            </a:r>
+          </a:p>
+        </p:txBody>
+      </p:sp>
+      <p:sp>
+        <p:nvSpPr>
+          <p:cNvPr id="14" name="15 Rectángulo"/>
+          <p:cNvSpPr/>
+          <p:nvPr/>
+        </p:nvSpPr>
+        <p:spPr>
+          <a:xfrm>
+            <a:off x="2938189" y="5732247"/>
+            <a:ext cx="1369962" cy="461665"/>
+          </a:xfrm>
+          <a:prstGeom prst="rect">
+            <a:avLst/>
+          </a:prstGeom>
+          <a:noFill/>
+        </p:spPr>
+        <p:txBody>
+          <a:bodyPr wrap="square" lIns="91440" tIns="45720" rIns="91440" bIns="45720">
+            <a:spAutoFit/>
+          </a:bodyPr>
+          <a:lstStyle/>
+          <a:p>
+            <a:pPr algn="ctr"/>
+            <a:r>
+              <a:rPr lang="es-ES" sz="2400" b="1" dirty="0">
+                <a:ln w="17780" cmpd="sng">
+                  <a:solidFill>
+                    <a:srgbClr val="FFFFFF"/>
+                  </a:solidFill>
+                  <a:prstDash val="solid"/>
+                  <a:miter lim="800000"/>
+                </a:ln>
+              </a:rPr>
+              <a:t>ATA</a:t>
             </a:r>
           </a:p>
         </p:txBody>
       </p:sp>
       <p:cxnSp>
         <p:nvCxnSpPr>
-          <p:cNvPr id="22" name="Conector: angular 21"/>
-          <p:cNvCxnSpPr/>
+          <p:cNvPr id="17" name="Conector: angular 16"/>
+          <p:cNvCxnSpPr>
+            <a:stCxn id="11" idx="3"/>
+            <a:endCxn id="7" idx="0"/>
+          </p:cNvCxnSpPr>
           <p:nvPr/>
         </p:nvCxnSpPr>
         <p:spPr>
-          <a:xfrm rot="16200000" flipH="1">
-            <a:off x="3175234" y="4763487"/>
-            <a:ext cx="796765" cy="1"/>
-          </a:xfrm>
-          <a:prstGeom prst="bentConnector3">
+          <a:xfrm>
+            <a:off x="2736010" y="2071142"/>
+            <a:ext cx="1248237" cy="894046"/>
+          </a:xfrm>
+          <a:prstGeom prst="bentConnector2">
             <a:avLst/>
           </a:prstGeom>
           <a:ln>
@@ -6178,16 +6715,128 @@
       </p:cxnSp>
       <p:cxnSp>
         <p:nvCxnSpPr>
-          <p:cNvPr id="29" name="Conector: angular 28"/>
+          <p:cNvPr id="19" name="Conector: angular 18"/>
           <p:cNvCxnSpPr>
-            <a:stCxn id="4" idx="3"/>
+            <a:stCxn id="6" idx="3"/>
+            <a:endCxn id="1030" idx="1"/>
           </p:cNvCxnSpPr>
           <p:nvPr/>
         </p:nvCxnSpPr>
         <p:spPr>
-          <a:xfrm rot="16200000" flipH="1">
-            <a:off x="3161753" y="3161153"/>
-            <a:ext cx="802519" cy="21207"/>
+          <a:xfrm>
+            <a:off x="2209953" y="5392448"/>
+            <a:ext cx="728236" cy="1489"/>
+          </a:xfrm>
+          <a:prstGeom prst="bentConnector3">
+            <a:avLst/>
+          </a:prstGeom>
+          <a:ln>
+            <a:headEnd type="triangle"/>
+            <a:tailEnd type="triangle"/>
+          </a:ln>
+        </p:spPr>
+        <p:style>
+          <a:lnRef idx="1">
+            <a:schemeClr val="accent1"/>
+          </a:lnRef>
+          <a:fillRef idx="0">
+            <a:schemeClr val="accent1"/>
+          </a:fillRef>
+          <a:effectRef idx="0">
+            <a:schemeClr val="accent1"/>
+          </a:effectRef>
+          <a:fontRef idx="minor">
+            <a:schemeClr val="tx1"/>
+          </a:fontRef>
+        </p:style>
+      </p:cxnSp>
+      <p:cxnSp>
+        <p:nvCxnSpPr>
+          <p:cNvPr id="24" name="Conector: angular 23"/>
+          <p:cNvCxnSpPr>
+            <a:stCxn id="1030" idx="0"/>
+            <a:endCxn id="7" idx="2"/>
+          </p:cNvCxnSpPr>
+          <p:nvPr/>
+        </p:nvCxnSpPr>
+        <p:spPr>
+          <a:xfrm rot="5400000" flipH="1" flipV="1">
+            <a:off x="3731097" y="4437848"/>
+            <a:ext cx="506301" cy="12700"/>
+          </a:xfrm>
+          <a:prstGeom prst="bentConnector3">
+            <a:avLst/>
+          </a:prstGeom>
+          <a:ln>
+            <a:headEnd type="triangle"/>
+            <a:tailEnd type="triangle"/>
+          </a:ln>
+        </p:spPr>
+        <p:style>
+          <a:lnRef idx="1">
+            <a:schemeClr val="accent1"/>
+          </a:lnRef>
+          <a:fillRef idx="0">
+            <a:schemeClr val="accent1"/>
+          </a:fillRef>
+          <a:effectRef idx="0">
+            <a:schemeClr val="accent1"/>
+          </a:effectRef>
+          <a:fontRef idx="minor">
+            <a:schemeClr val="tx1"/>
+          </a:fontRef>
+        </p:style>
+      </p:cxnSp>
+      <p:cxnSp>
+        <p:nvCxnSpPr>
+          <p:cNvPr id="26" name="Conector: angular 25"/>
+          <p:cNvCxnSpPr>
+            <a:stCxn id="7" idx="3"/>
+            <a:endCxn id="8" idx="1"/>
+          </p:cNvCxnSpPr>
+          <p:nvPr/>
+        </p:nvCxnSpPr>
+        <p:spPr>
+          <a:xfrm>
+            <a:off x="5652120" y="3574943"/>
+            <a:ext cx="703775" cy="1730370"/>
+          </a:xfrm>
+          <a:prstGeom prst="bentConnector3">
+            <a:avLst/>
+          </a:prstGeom>
+          <a:ln>
+            <a:headEnd type="triangle"/>
+            <a:tailEnd type="triangle"/>
+          </a:ln>
+        </p:spPr>
+        <p:style>
+          <a:lnRef idx="1">
+            <a:schemeClr val="accent1"/>
+          </a:lnRef>
+          <a:fillRef idx="0">
+            <a:schemeClr val="accent1"/>
+          </a:fillRef>
+          <a:effectRef idx="0">
+            <a:schemeClr val="accent1"/>
+          </a:effectRef>
+          <a:fontRef idx="minor">
+            <a:schemeClr val="tx1"/>
+          </a:fontRef>
+        </p:style>
+      </p:cxnSp>
+      <p:cxnSp>
+        <p:nvCxnSpPr>
+          <p:cNvPr id="31" name="Conector: angular 30"/>
+          <p:cNvCxnSpPr>
+            <a:stCxn id="8" idx="0"/>
+            <a:endCxn id="9" idx="1"/>
+          </p:cNvCxnSpPr>
+          <p:nvPr/>
+        </p:nvCxnSpPr>
+        <p:spPr>
+          <a:xfrm rot="5400000" flipH="1" flipV="1">
+            <a:off x="6767594" y="3770556"/>
+            <a:ext cx="1123059" cy="12700"/>
           </a:xfrm>
           <a:prstGeom prst="bentConnector3">
             <a:avLst/>
@@ -6215,7 +6864,7 @@
     </p:spTree>
     <p:extLst>
       <p:ext uri="{BB962C8B-B14F-4D97-AF65-F5344CB8AC3E}">
-        <p14:creationId xmlns:p14="http://schemas.microsoft.com/office/powerpoint/2010/main" val="1397374613"/>
+        <p14:creationId xmlns:p14="http://schemas.microsoft.com/office/powerpoint/2010/main" val="28546000"/>
       </p:ext>
     </p:extLst>
   </p:cSld>
@@ -6259,36 +6908,545 @@
           <a:p>
             <a:r>
               <a:rPr lang="es-VE" dirty="0"/>
-              <a:t>ATA</a:t>
+              <a:t>Proceso de digitalización</a:t>
+            </a:r>
+          </a:p>
+        </p:txBody>
+      </p:sp>
+      <p:sp>
+        <p:nvSpPr>
+          <p:cNvPr id="4" name="Forma libre: forma 3"/>
+          <p:cNvSpPr/>
+          <p:nvPr/>
+        </p:nvSpPr>
+        <p:spPr>
+          <a:xfrm>
+            <a:off x="206153" y="1952870"/>
+            <a:ext cx="1371097" cy="702467"/>
+          </a:xfrm>
+          <a:custGeom>
+            <a:avLst/>
+            <a:gdLst>
+              <a:gd name="connsiteX0" fmla="*/ 0 w 843378"/>
+              <a:gd name="connsiteY0" fmla="*/ 356236 h 702467"/>
+              <a:gd name="connsiteX1" fmla="*/ 195308 w 843378"/>
+              <a:gd name="connsiteY1" fmla="*/ 10007 h 702467"/>
+              <a:gd name="connsiteX2" fmla="*/ 461639 w 843378"/>
+              <a:gd name="connsiteY2" fmla="*/ 702465 h 702467"/>
+              <a:gd name="connsiteX3" fmla="*/ 639192 w 843378"/>
+              <a:gd name="connsiteY3" fmla="*/ 18885 h 702467"/>
+              <a:gd name="connsiteX4" fmla="*/ 843378 w 843378"/>
+              <a:gd name="connsiteY4" fmla="*/ 675832 h 702467"/>
+            </a:gdLst>
+            <a:ahLst/>
+            <a:cxnLst>
+              <a:cxn ang="0">
+                <a:pos x="connsiteX0" y="connsiteY0"/>
+              </a:cxn>
+              <a:cxn ang="0">
+                <a:pos x="connsiteX1" y="connsiteY1"/>
+              </a:cxn>
+              <a:cxn ang="0">
+                <a:pos x="connsiteX2" y="connsiteY2"/>
+              </a:cxn>
+              <a:cxn ang="0">
+                <a:pos x="connsiteX3" y="connsiteY3"/>
+              </a:cxn>
+              <a:cxn ang="0">
+                <a:pos x="connsiteX4" y="connsiteY4"/>
+              </a:cxn>
+            </a:cxnLst>
+            <a:rect l="l" t="t" r="r" b="b"/>
+            <a:pathLst>
+              <a:path w="843378" h="702467">
+                <a:moveTo>
+                  <a:pt x="0" y="356236"/>
+                </a:moveTo>
+                <a:cubicBezTo>
+                  <a:pt x="59184" y="154269"/>
+                  <a:pt x="118368" y="-47698"/>
+                  <a:pt x="195308" y="10007"/>
+                </a:cubicBezTo>
+                <a:cubicBezTo>
+                  <a:pt x="272248" y="67712"/>
+                  <a:pt x="387658" y="700985"/>
+                  <a:pt x="461639" y="702465"/>
+                </a:cubicBezTo>
+                <a:cubicBezTo>
+                  <a:pt x="535620" y="703945"/>
+                  <a:pt x="575569" y="23324"/>
+                  <a:pt x="639192" y="18885"/>
+                </a:cubicBezTo>
+                <a:cubicBezTo>
+                  <a:pt x="702815" y="14446"/>
+                  <a:pt x="773096" y="345139"/>
+                  <a:pt x="843378" y="675832"/>
+                </a:cubicBezTo>
+              </a:path>
+            </a:pathLst>
+          </a:custGeom>
+          <a:noFill/>
+          <a:ln>
+            <a:solidFill>
+              <a:schemeClr val="tx1"/>
+            </a:solidFill>
+          </a:ln>
+        </p:spPr>
+        <p:style>
+          <a:lnRef idx="2">
+            <a:schemeClr val="accent1">
+              <a:shade val="50000"/>
+            </a:schemeClr>
+          </a:lnRef>
+          <a:fillRef idx="1">
+            <a:schemeClr val="accent1"/>
+          </a:fillRef>
+          <a:effectRef idx="0">
+            <a:schemeClr val="accent1"/>
+          </a:effectRef>
+          <a:fontRef idx="minor">
+            <a:schemeClr val="lt1"/>
+          </a:fontRef>
+        </p:style>
+        <p:txBody>
+          <a:bodyPr rtlCol="0" anchor="ctr"/>
+          <a:lstStyle/>
+          <a:p>
+            <a:pPr algn="ctr"/>
+            <a:endParaRPr lang="es-VE" dirty="0"/>
+          </a:p>
+        </p:txBody>
+      </p:sp>
+      <p:sp>
+        <p:nvSpPr>
+          <p:cNvPr id="5" name="Rectángulo: esquinas redondeadas 4"/>
+          <p:cNvSpPr/>
+          <p:nvPr/>
+        </p:nvSpPr>
+        <p:spPr>
+          <a:xfrm>
+            <a:off x="1814485" y="1772816"/>
+            <a:ext cx="1728192" cy="931913"/>
+          </a:xfrm>
+          <a:prstGeom prst="roundRect">
+            <a:avLst/>
+          </a:prstGeom>
+          <a:ln w="76200"/>
+        </p:spPr>
+        <p:style>
+          <a:lnRef idx="2">
+            <a:schemeClr val="accent1"/>
+          </a:lnRef>
+          <a:fillRef idx="1">
+            <a:schemeClr val="lt1"/>
+          </a:fillRef>
+          <a:effectRef idx="0">
+            <a:schemeClr val="accent1"/>
+          </a:effectRef>
+          <a:fontRef idx="minor">
+            <a:schemeClr val="dk1"/>
+          </a:fontRef>
+        </p:style>
+        <p:txBody>
+          <a:bodyPr rtlCol="0" anchor="ctr"/>
+          <a:lstStyle/>
+          <a:p>
+            <a:pPr algn="ctr"/>
+            <a:r>
+              <a:rPr lang="es-VE" dirty="0"/>
+              <a:t>Muestreo</a:t>
+            </a:r>
+          </a:p>
+        </p:txBody>
+      </p:sp>
+      <p:sp>
+        <p:nvSpPr>
+          <p:cNvPr id="6" name="Rectángulo: esquinas redondeadas 5"/>
+          <p:cNvSpPr/>
+          <p:nvPr/>
+        </p:nvSpPr>
+        <p:spPr>
+          <a:xfrm>
+            <a:off x="3779912" y="1772816"/>
+            <a:ext cx="1728192" cy="931913"/>
+          </a:xfrm>
+          <a:prstGeom prst="roundRect">
+            <a:avLst/>
+          </a:prstGeom>
+          <a:ln w="76200"/>
+        </p:spPr>
+        <p:style>
+          <a:lnRef idx="2">
+            <a:schemeClr val="accent1"/>
+          </a:lnRef>
+          <a:fillRef idx="1">
+            <a:schemeClr val="lt1"/>
+          </a:fillRef>
+          <a:effectRef idx="0">
+            <a:schemeClr val="accent1"/>
+          </a:effectRef>
+          <a:fontRef idx="minor">
+            <a:schemeClr val="dk1"/>
+          </a:fontRef>
+        </p:style>
+        <p:txBody>
+          <a:bodyPr rtlCol="0" anchor="ctr"/>
+          <a:lstStyle/>
+          <a:p>
+            <a:pPr algn="ctr"/>
+            <a:r>
+              <a:rPr lang="es-VE" dirty="0"/>
+              <a:t>Cuantificación</a:t>
+            </a:r>
+          </a:p>
+        </p:txBody>
+      </p:sp>
+      <p:sp>
+        <p:nvSpPr>
+          <p:cNvPr id="7" name="Rectángulo: esquinas redondeadas 6"/>
+          <p:cNvSpPr/>
+          <p:nvPr/>
+        </p:nvSpPr>
+        <p:spPr>
+          <a:xfrm>
+            <a:off x="5745339" y="1772816"/>
+            <a:ext cx="1728192" cy="931913"/>
+          </a:xfrm>
+          <a:prstGeom prst="roundRect">
+            <a:avLst/>
+          </a:prstGeom>
+          <a:ln w="76200"/>
+        </p:spPr>
+        <p:style>
+          <a:lnRef idx="2">
+            <a:schemeClr val="accent1"/>
+          </a:lnRef>
+          <a:fillRef idx="1">
+            <a:schemeClr val="lt1"/>
+          </a:fillRef>
+          <a:effectRef idx="0">
+            <a:schemeClr val="accent1"/>
+          </a:effectRef>
+          <a:fontRef idx="minor">
+            <a:schemeClr val="dk1"/>
+          </a:fontRef>
+        </p:style>
+        <p:txBody>
+          <a:bodyPr rtlCol="0" anchor="ctr"/>
+          <a:lstStyle/>
+          <a:p>
+            <a:pPr algn="ctr"/>
+            <a:r>
+              <a:rPr lang="es-VE" dirty="0"/>
+              <a:t>Codificación</a:t>
+            </a:r>
+          </a:p>
+        </p:txBody>
+      </p:sp>
+      <p:sp>
+        <p:nvSpPr>
+          <p:cNvPr id="8" name="CuadroTexto 7"/>
+          <p:cNvSpPr txBox="1"/>
+          <p:nvPr/>
+        </p:nvSpPr>
+        <p:spPr>
+          <a:xfrm>
+            <a:off x="76574" y="1588150"/>
+            <a:ext cx="1630254" cy="369332"/>
+          </a:xfrm>
+          <a:prstGeom prst="rect">
+            <a:avLst/>
+          </a:prstGeom>
+          <a:noFill/>
+        </p:spPr>
+        <p:txBody>
+          <a:bodyPr wrap="none" rtlCol="0">
+            <a:spAutoFit/>
+          </a:bodyPr>
+          <a:lstStyle/>
+          <a:p>
+            <a:r>
+              <a:rPr lang="es-VE" dirty="0"/>
+              <a:t>Señal analógica</a:t>
+            </a:r>
+          </a:p>
+        </p:txBody>
+      </p:sp>
+      <p:cxnSp>
+        <p:nvCxnSpPr>
+          <p:cNvPr id="10" name="Conector recto de flecha 9"/>
+          <p:cNvCxnSpPr>
+            <a:endCxn id="5" idx="1"/>
+          </p:cNvCxnSpPr>
+          <p:nvPr/>
+        </p:nvCxnSpPr>
+        <p:spPr>
+          <a:xfrm>
+            <a:off x="1577250" y="2238772"/>
+            <a:ext cx="237235" cy="1"/>
+          </a:xfrm>
+          <a:prstGeom prst="straightConnector1">
+            <a:avLst/>
+          </a:prstGeom>
+          <a:ln w="38100">
+            <a:tailEnd type="triangle"/>
+          </a:ln>
+        </p:spPr>
+        <p:style>
+          <a:lnRef idx="1">
+            <a:schemeClr val="accent1"/>
+          </a:lnRef>
+          <a:fillRef idx="0">
+            <a:schemeClr val="accent1"/>
+          </a:fillRef>
+          <a:effectRef idx="0">
+            <a:schemeClr val="accent1"/>
+          </a:effectRef>
+          <a:fontRef idx="minor">
+            <a:schemeClr val="tx1"/>
+          </a:fontRef>
+        </p:style>
+      </p:cxnSp>
+      <p:cxnSp>
+        <p:nvCxnSpPr>
+          <p:cNvPr id="12" name="Conector recto de flecha 11"/>
+          <p:cNvCxnSpPr>
+            <a:stCxn id="5" idx="3"/>
+            <a:endCxn id="6" idx="1"/>
+          </p:cNvCxnSpPr>
+          <p:nvPr/>
+        </p:nvCxnSpPr>
+        <p:spPr>
+          <a:xfrm>
+            <a:off x="3542677" y="2238773"/>
+            <a:ext cx="237235" cy="0"/>
+          </a:xfrm>
+          <a:prstGeom prst="straightConnector1">
+            <a:avLst/>
+          </a:prstGeom>
+          <a:ln w="38100">
+            <a:tailEnd type="triangle"/>
+          </a:ln>
+        </p:spPr>
+        <p:style>
+          <a:lnRef idx="1">
+            <a:schemeClr val="accent1"/>
+          </a:lnRef>
+          <a:fillRef idx="0">
+            <a:schemeClr val="accent1"/>
+          </a:fillRef>
+          <a:effectRef idx="0">
+            <a:schemeClr val="accent1"/>
+          </a:effectRef>
+          <a:fontRef idx="minor">
+            <a:schemeClr val="tx1"/>
+          </a:fontRef>
+        </p:style>
+      </p:cxnSp>
+      <p:cxnSp>
+        <p:nvCxnSpPr>
+          <p:cNvPr id="14" name="Conector recto de flecha 13"/>
+          <p:cNvCxnSpPr>
+            <a:stCxn id="6" idx="3"/>
+            <a:endCxn id="7" idx="1"/>
+          </p:cNvCxnSpPr>
+          <p:nvPr/>
+        </p:nvCxnSpPr>
+        <p:spPr>
+          <a:xfrm>
+            <a:off x="5508104" y="2238773"/>
+            <a:ext cx="237235" cy="0"/>
+          </a:xfrm>
+          <a:prstGeom prst="straightConnector1">
+            <a:avLst/>
+          </a:prstGeom>
+          <a:ln w="38100">
+            <a:tailEnd type="triangle"/>
+          </a:ln>
+        </p:spPr>
+        <p:style>
+          <a:lnRef idx="1">
+            <a:schemeClr val="accent1"/>
+          </a:lnRef>
+          <a:fillRef idx="0">
+            <a:schemeClr val="accent1"/>
+          </a:fillRef>
+          <a:effectRef idx="0">
+            <a:schemeClr val="accent1"/>
+          </a:effectRef>
+          <a:fontRef idx="minor">
+            <a:schemeClr val="tx1"/>
+          </a:fontRef>
+        </p:style>
+      </p:cxnSp>
+      <p:cxnSp>
+        <p:nvCxnSpPr>
+          <p:cNvPr id="16" name="Conector recto de flecha 15"/>
+          <p:cNvCxnSpPr>
+            <a:stCxn id="7" idx="3"/>
+          </p:cNvCxnSpPr>
+          <p:nvPr/>
+        </p:nvCxnSpPr>
+        <p:spPr>
+          <a:xfrm flipV="1">
+            <a:off x="7473531" y="2238772"/>
+            <a:ext cx="263374" cy="1"/>
+          </a:xfrm>
+          <a:prstGeom prst="straightConnector1">
+            <a:avLst/>
+          </a:prstGeom>
+          <a:ln w="38100">
+            <a:tailEnd type="triangle"/>
+          </a:ln>
+        </p:spPr>
+        <p:style>
+          <a:lnRef idx="1">
+            <a:schemeClr val="accent1"/>
+          </a:lnRef>
+          <a:fillRef idx="0">
+            <a:schemeClr val="accent1"/>
+          </a:fillRef>
+          <a:effectRef idx="0">
+            <a:schemeClr val="accent1"/>
+          </a:effectRef>
+          <a:fontRef idx="minor">
+            <a:schemeClr val="tx1"/>
+          </a:fontRef>
+        </p:style>
+      </p:cxnSp>
+      <p:sp>
+        <p:nvSpPr>
+          <p:cNvPr id="17" name="CuadroTexto 16"/>
+          <p:cNvSpPr txBox="1"/>
+          <p:nvPr/>
+        </p:nvSpPr>
+        <p:spPr>
+          <a:xfrm>
+            <a:off x="7765522" y="2054106"/>
+            <a:ext cx="1120820" cy="369332"/>
+          </a:xfrm>
+          <a:prstGeom prst="rect">
+            <a:avLst/>
+          </a:prstGeom>
+          <a:noFill/>
+        </p:spPr>
+        <p:txBody>
+          <a:bodyPr wrap="none" rtlCol="0">
+            <a:spAutoFit/>
+          </a:bodyPr>
+          <a:lstStyle/>
+          <a:p>
+            <a:r>
+              <a:rPr lang="es-VE" dirty="0"/>
+              <a:t>01011101</a:t>
+            </a:r>
+          </a:p>
+        </p:txBody>
+      </p:sp>
+      <p:sp>
+        <p:nvSpPr>
+          <p:cNvPr id="18" name="CuadroTexto 17"/>
+          <p:cNvSpPr txBox="1"/>
+          <p:nvPr/>
+        </p:nvSpPr>
+        <p:spPr>
+          <a:xfrm>
+            <a:off x="7710766" y="1583538"/>
+            <a:ext cx="1318374" cy="369332"/>
+          </a:xfrm>
+          <a:prstGeom prst="rect">
+            <a:avLst/>
+          </a:prstGeom>
+          <a:noFill/>
+        </p:spPr>
+        <p:txBody>
+          <a:bodyPr wrap="none" rtlCol="0">
+            <a:spAutoFit/>
+          </a:bodyPr>
+          <a:lstStyle/>
+          <a:p>
+            <a:r>
+              <a:rPr lang="es-VE" dirty="0"/>
+              <a:t>Señal digital</a:t>
+            </a:r>
+          </a:p>
+        </p:txBody>
+      </p:sp>
+    </p:spTree>
+    <p:extLst>
+      <p:ext uri="{BB962C8B-B14F-4D97-AF65-F5344CB8AC3E}">
+        <p14:creationId xmlns:p14="http://schemas.microsoft.com/office/powerpoint/2010/main" val="4241901777"/>
+      </p:ext>
+    </p:extLst>
+  </p:cSld>
+  <p:clrMapOvr>
+    <a:masterClrMapping/>
+  </p:clrMapOvr>
+</p:sld>
+</file>
+
+<file path=ppt/slides/slide7.xml><?xml version="1.0" encoding="utf-8"?>
+<p:sld xmlns:a="http://schemas.openxmlformats.org/drawingml/2006/main" xmlns:r="http://schemas.openxmlformats.org/officeDocument/2006/relationships" xmlns:p="http://schemas.openxmlformats.org/presentationml/2006/main">
+  <p:cSld>
+    <p:spTree>
+      <p:nvGrpSpPr>
+        <p:cNvPr id="1" name=""/>
+        <p:cNvGrpSpPr/>
+        <p:nvPr/>
+      </p:nvGrpSpPr>
+      <p:grpSpPr>
+        <a:xfrm>
+          <a:off x="0" y="0"/>
+          <a:ext cx="0" cy="0"/>
+          <a:chOff x="0" y="0"/>
+          <a:chExt cx="0" cy="0"/>
+        </a:xfrm>
+      </p:grpSpPr>
+      <p:sp>
+        <p:nvSpPr>
+          <p:cNvPr id="2" name="Título 1"/>
+          <p:cNvSpPr>
+            <a:spLocks noGrp="1"/>
+          </p:cNvSpPr>
+          <p:nvPr>
+            <p:ph type="title"/>
+          </p:nvPr>
+        </p:nvSpPr>
+        <p:spPr/>
+        <p:txBody>
+          <a:bodyPr/>
+          <a:lstStyle/>
+          <a:p>
+            <a:r>
+              <a:rPr lang="es-VE" dirty="0"/>
+              <a:t>Proceso de muestreo</a:t>
             </a:r>
           </a:p>
         </p:txBody>
       </p:sp>
       <p:pic>
         <p:nvPicPr>
-          <p:cNvPr id="6" name="Picture 2" descr="C:\Users\Administrator\AppData\Local\Microsoft\Windows\Temporary Internet Files\Content.IE5\WBTBN15A\telefono[1].jpg"/>
+          <p:cNvPr id="4" name="Picture 2" descr="Resultado de imagen"/>
           <p:cNvPicPr>
             <a:picLocks noChangeAspect="1" noChangeArrowheads="1"/>
           </p:cNvPicPr>
           <p:nvPr/>
         </p:nvPicPr>
-        <p:blipFill>
-          <a:blip r:embed="rId2" cstate="print">
+        <p:blipFill rotWithShape="1">
+          <a:blip r:embed="rId2">
             <a:extLst>
               <a:ext uri="{28A0092B-C50C-407E-A947-70E740481C1C}">
                 <a14:useLocalDpi xmlns:a14="http://schemas.microsoft.com/office/drawing/2010/main" val="0"/>
               </a:ext>
             </a:extLst>
           </a:blip>
-          <a:srcRect/>
-          <a:stretch>
-            <a:fillRect/>
-          </a:stretch>
+          <a:srcRect l="12988" t="14301" r="14563" b="53150"/>
+          <a:stretch/>
         </p:blipFill>
         <p:spPr bwMode="auto">
           <a:xfrm>
-            <a:off x="193725" y="4384336"/>
-            <a:ext cx="2016228" cy="2016224"/>
+            <a:off x="1187624" y="1556792"/>
+            <a:ext cx="6624736" cy="2232248"/>
           </a:xfrm>
           <a:prstGeom prst="rect">
             <a:avLst/>
@@ -6305,29 +7463,147 @@
           </a:extLst>
         </p:spPr>
       </p:pic>
+      <p:cxnSp>
+        <p:nvCxnSpPr>
+          <p:cNvPr id="6" name="Conector recto de flecha 5"/>
+          <p:cNvCxnSpPr/>
+          <p:nvPr/>
+        </p:nvCxnSpPr>
+        <p:spPr>
+          <a:xfrm>
+            <a:off x="3995936" y="2636912"/>
+            <a:ext cx="1008112" cy="0"/>
+          </a:xfrm>
+          <a:prstGeom prst="straightConnector1">
+            <a:avLst/>
+          </a:prstGeom>
+          <a:ln w="38100">
+            <a:tailEnd type="triangle"/>
+          </a:ln>
+        </p:spPr>
+        <p:style>
+          <a:lnRef idx="1">
+            <a:schemeClr val="accent1"/>
+          </a:lnRef>
+          <a:fillRef idx="0">
+            <a:schemeClr val="accent1"/>
+          </a:fillRef>
+          <a:effectRef idx="0">
+            <a:schemeClr val="accent1"/>
+          </a:effectRef>
+          <a:fontRef idx="minor">
+            <a:schemeClr val="tx1"/>
+          </a:fontRef>
+        </p:style>
+      </p:cxnSp>
+    </p:spTree>
+    <p:extLst>
+      <p:ext uri="{BB962C8B-B14F-4D97-AF65-F5344CB8AC3E}">
+        <p14:creationId xmlns:p14="http://schemas.microsoft.com/office/powerpoint/2010/main" val="1962690100"/>
+      </p:ext>
+    </p:extLst>
+  </p:cSld>
+  <p:clrMapOvr>
+    <a:masterClrMapping/>
+  </p:clrMapOvr>
+</p:sld>
+</file>
+
+<file path=ppt/slides/slide8.xml><?xml version="1.0" encoding="utf-8"?>
+<p:sld xmlns:a="http://schemas.openxmlformats.org/drawingml/2006/main" xmlns:r="http://schemas.openxmlformats.org/officeDocument/2006/relationships" xmlns:p="http://schemas.openxmlformats.org/presentationml/2006/main">
+  <p:cSld>
+    <p:spTree>
+      <p:nvGrpSpPr>
+        <p:cNvPr id="1" name=""/>
+        <p:cNvGrpSpPr/>
+        <p:nvPr/>
+      </p:nvGrpSpPr>
+      <p:grpSpPr>
+        <a:xfrm>
+          <a:off x="0" y="0"/>
+          <a:ext cx="0" cy="0"/>
+          <a:chOff x="0" y="0"/>
+          <a:chExt cx="0" cy="0"/>
+        </a:xfrm>
+      </p:grpSpPr>
+      <p:sp>
+        <p:nvSpPr>
+          <p:cNvPr id="2" name="Título 1"/>
+          <p:cNvSpPr>
+            <a:spLocks noGrp="1"/>
+          </p:cNvSpPr>
+          <p:nvPr>
+            <p:ph type="title"/>
+          </p:nvPr>
+        </p:nvSpPr>
+        <p:spPr/>
+        <p:txBody>
+          <a:bodyPr/>
+          <a:lstStyle/>
+          <a:p>
+            <a:r>
+              <a:rPr lang="es-VE" dirty="0"/>
+              <a:t>Proceso de Cuantificación</a:t>
+            </a:r>
+          </a:p>
+        </p:txBody>
+      </p:sp>
+      <p:cxnSp>
+        <p:nvCxnSpPr>
+          <p:cNvPr id="6" name="Conector recto de flecha 5"/>
+          <p:cNvCxnSpPr/>
+          <p:nvPr/>
+        </p:nvCxnSpPr>
+        <p:spPr>
+          <a:xfrm>
+            <a:off x="3995936" y="2636912"/>
+            <a:ext cx="1008112" cy="0"/>
+          </a:xfrm>
+          <a:prstGeom prst="straightConnector1">
+            <a:avLst/>
+          </a:prstGeom>
+          <a:ln w="38100">
+            <a:tailEnd type="triangle"/>
+          </a:ln>
+        </p:spPr>
+        <p:style>
+          <a:lnRef idx="1">
+            <a:schemeClr val="accent1"/>
+          </a:lnRef>
+          <a:fillRef idx="0">
+            <a:schemeClr val="accent1"/>
+          </a:fillRef>
+          <a:effectRef idx="0">
+            <a:schemeClr val="accent1"/>
+          </a:effectRef>
+          <a:fontRef idx="minor">
+            <a:schemeClr val="tx1"/>
+          </a:fontRef>
+        </p:style>
+      </p:cxnSp>
       <p:pic>
         <p:nvPicPr>
-          <p:cNvPr id="7" name="Picture 11" descr="http://www.yeastar.com/static/uploads/c84dtw17.png"/>
+          <p:cNvPr id="5" name="Picture 2" descr="Resultado de imagen"/>
           <p:cNvPicPr>
             <a:picLocks noChangeAspect="1" noChangeArrowheads="1"/>
           </p:cNvPicPr>
           <p:nvPr/>
         </p:nvPicPr>
         <p:blipFill rotWithShape="1">
-          <a:blip r:embed="rId3" cstate="print">
+          <a:blip r:embed="rId2">
             <a:extLst>
               <a:ext uri="{28A0092B-C50C-407E-A947-70E740481C1C}">
                 <a14:useLocalDpi xmlns:a14="http://schemas.microsoft.com/office/drawing/2010/main" val="0"/>
               </a:ext>
             </a:extLst>
           </a:blip>
-          <a:srcRect t="16728" b="28433"/>
+          <a:srcRect l="53937" t="14300" r="14563" b="52171"/>
           <a:stretch/>
         </p:blipFill>
         <p:spPr bwMode="auto">
           <a:xfrm>
-            <a:off x="2316374" y="2965188"/>
-            <a:ext cx="3335746" cy="1219509"/>
+            <a:off x="1115616" y="1487215"/>
+            <a:ext cx="2880320" cy="2299394"/>
           </a:xfrm>
           <a:prstGeom prst="rect">
             <a:avLst/>
@@ -6346,29 +7622,27 @@
       </p:pic>
       <p:pic>
         <p:nvPicPr>
-          <p:cNvPr id="8" name="Picture 9" descr="http://www.instavocomtech.com/assets/img/Hosted%20IP-PBX-Icon.png"/>
+          <p:cNvPr id="7" name="Picture 2" descr="Resultado de imagen"/>
           <p:cNvPicPr>
             <a:picLocks noChangeAspect="1" noChangeArrowheads="1"/>
           </p:cNvPicPr>
           <p:nvPr/>
         </p:nvPicPr>
-        <p:blipFill>
-          <a:blip r:embed="rId4" cstate="print">
+        <p:blipFill rotWithShape="1">
+          <a:blip r:embed="rId2">
             <a:extLst>
               <a:ext uri="{28A0092B-C50C-407E-A947-70E740481C1C}">
                 <a14:useLocalDpi xmlns:a14="http://schemas.microsoft.com/office/drawing/2010/main" val="0"/>
               </a:ext>
             </a:extLst>
           </a:blip>
-          <a:srcRect/>
-          <a:stretch>
-            <a:fillRect/>
-          </a:stretch>
+          <a:srcRect l="12988" t="52100" r="54725" b="14300"/>
+          <a:stretch/>
         </p:blipFill>
         <p:spPr bwMode="auto">
           <a:xfrm>
-            <a:off x="6355895" y="4332085"/>
-            <a:ext cx="1946456" cy="1946456"/>
+            <a:off x="5004048" y="1487215"/>
+            <a:ext cx="2952328" cy="2304256"/>
           </a:xfrm>
           <a:prstGeom prst="rect">
             <a:avLst/>
@@ -6385,72 +7659,81 @@
           </a:extLst>
         </p:spPr>
       </p:pic>
-      <p:sp>
-        <p:nvSpPr>
-          <p:cNvPr id="9" name="37 Nube"/>
-          <p:cNvSpPr/>
-          <p:nvPr/>
-        </p:nvSpPr>
-        <p:spPr>
-          <a:xfrm>
-            <a:off x="6113945" y="1220927"/>
-            <a:ext cx="2430356" cy="1990218"/>
-          </a:xfrm>
-          <a:prstGeom prst="cloud">
-            <a:avLst/>
-          </a:prstGeom>
-        </p:spPr>
-        <p:style>
-          <a:lnRef idx="1">
-            <a:schemeClr val="accent1"/>
-          </a:lnRef>
-          <a:fillRef idx="2">
-            <a:schemeClr val="accent1"/>
-          </a:fillRef>
-          <a:effectRef idx="1">
-            <a:schemeClr val="accent1"/>
-          </a:effectRef>
-          <a:fontRef idx="minor">
-            <a:schemeClr val="dk1"/>
-          </a:fontRef>
-        </p:style>
-        <p:txBody>
-          <a:bodyPr rtlCol="0" anchor="ctr"/>
+    </p:spTree>
+    <p:extLst>
+      <p:ext uri="{BB962C8B-B14F-4D97-AF65-F5344CB8AC3E}">
+        <p14:creationId xmlns:p14="http://schemas.microsoft.com/office/powerpoint/2010/main" val="3560702982"/>
+      </p:ext>
+    </p:extLst>
+  </p:cSld>
+  <p:clrMapOvr>
+    <a:masterClrMapping/>
+  </p:clrMapOvr>
+</p:sld>
+</file>
+
+<file path=ppt/slides/slide9.xml><?xml version="1.0" encoding="utf-8"?>
+<p:sld xmlns:a="http://schemas.openxmlformats.org/drawingml/2006/main" xmlns:r="http://schemas.openxmlformats.org/officeDocument/2006/relationships" xmlns:p="http://schemas.openxmlformats.org/presentationml/2006/main">
+  <p:cSld>
+    <p:spTree>
+      <p:nvGrpSpPr>
+        <p:cNvPr id="1" name=""/>
+        <p:cNvGrpSpPr/>
+        <p:nvPr/>
+      </p:nvGrpSpPr>
+      <p:grpSpPr>
+        <a:xfrm>
+          <a:off x="0" y="0"/>
+          <a:ext cx="0" cy="0"/>
+          <a:chOff x="0" y="0"/>
+          <a:chExt cx="0" cy="0"/>
+        </a:xfrm>
+      </p:grpSpPr>
+      <p:sp>
+        <p:nvSpPr>
+          <p:cNvPr id="2" name="Título 1"/>
+          <p:cNvSpPr>
+            <a:spLocks noGrp="1"/>
+          </p:cNvSpPr>
+          <p:nvPr>
+            <p:ph type="title"/>
+          </p:nvPr>
+        </p:nvSpPr>
+        <p:spPr/>
+        <p:txBody>
+          <a:bodyPr/>
           <a:lstStyle/>
           <a:p>
-            <a:pPr algn="ctr"/>
-            <a:r>
-              <a:rPr lang="es-VE" sz="2800" dirty="0"/>
-              <a:t>Internet</a:t>
+            <a:r>
+              <a:rPr lang="es-VE" dirty="0"/>
+              <a:t>Proceso de Codificación</a:t>
             </a:r>
           </a:p>
         </p:txBody>
       </p:sp>
       <p:pic>
         <p:nvPicPr>
-          <p:cNvPr id="11" name="Picture 6" descr="http://cdn2.pcadvisor.co.uk/cmsdata/reviews/3324390/DinoPC.jpg"/>
+          <p:cNvPr id="8" name="Picture 2" descr="Resultado de imagen"/>
           <p:cNvPicPr>
             <a:picLocks noChangeAspect="1" noChangeArrowheads="1"/>
           </p:cNvPicPr>
           <p:nvPr/>
         </p:nvPicPr>
-        <p:blipFill>
-          <a:blip r:embed="rId5" cstate="print">
+        <p:blipFill rotWithShape="1">
+          <a:blip r:embed="rId2">
             <a:extLst>
               <a:ext uri="{28A0092B-C50C-407E-A947-70E740481C1C}">
                 <a14:useLocalDpi xmlns:a14="http://schemas.microsoft.com/office/drawing/2010/main" val="0"/>
               </a:ext>
             </a:extLst>
           </a:blip>
-          <a:srcRect/>
-          <a:stretch>
-            <a:fillRect/>
-          </a:stretch>
+          <a:srcRect l="12988" t="52100" r="14563" b="14300"/>
+          <a:stretch/>
         </p:blipFill>
         <p:spPr bwMode="auto">
           <a:xfrm>
-            <a:off x="247552" y="1245285"/>
-            <a:ext cx="2488458" cy="1651713"/>
+            <a:off x="1115616" y="1484784"/>
+            <a:ext cx="6624736" cy="2304256"/>
           </a:xfrm>
           <a:prstGeom prst="rect">
             <a:avLst/>
@@ -6467,288 +7750,21 @@
           </a:extLst>
         </p:spPr>
       </p:pic>
-      <p:pic>
-        <p:nvPicPr>
-          <p:cNvPr id="1030" name="Picture 6" descr="Resultado de imagen para conector ata voip"/>
-          <p:cNvPicPr>
-            <a:picLocks noChangeAspect="1" noChangeArrowheads="1"/>
-          </p:cNvPicPr>
-          <p:nvPr/>
-        </p:nvPicPr>
-        <p:blipFill rotWithShape="1">
-          <a:blip r:embed="rId6" cstate="print">
-            <a:extLst>
-              <a:ext uri="{28A0092B-C50C-407E-A947-70E740481C1C}">
-                <a14:useLocalDpi xmlns:a14="http://schemas.microsoft.com/office/drawing/2010/main" val="0"/>
-              </a:ext>
-            </a:extLst>
-          </a:blip>
-          <a:srcRect l="-3013" t="19048" b="11728"/>
-          <a:stretch/>
-        </p:blipFill>
-        <p:spPr bwMode="auto">
-          <a:xfrm>
-            <a:off x="2938189" y="4690998"/>
-            <a:ext cx="2092116" cy="1405877"/>
-          </a:xfrm>
-          <a:prstGeom prst="rect">
-            <a:avLst/>
-          </a:prstGeom>
-          <a:noFill/>
-          <a:extLst>
-            <a:ext uri="{909E8E84-426E-40DD-AFC4-6F175D3DCCD1}">
-              <a14:hiddenFill xmlns:a14="http://schemas.microsoft.com/office/drawing/2010/main">
-                <a:solidFill>
-                  <a:srgbClr val="FFFFFF"/>
-                </a:solidFill>
-              </a14:hiddenFill>
-            </a:ext>
-          </a:extLst>
-        </p:spPr>
-      </p:pic>
-      <p:sp>
-        <p:nvSpPr>
-          <p:cNvPr id="13" name="15 Rectángulo"/>
-          <p:cNvSpPr/>
-          <p:nvPr/>
-        </p:nvSpPr>
-        <p:spPr>
-          <a:xfrm>
-            <a:off x="2780306" y="2896998"/>
-            <a:ext cx="1369962" cy="461665"/>
-          </a:xfrm>
-          <a:prstGeom prst="rect">
-            <a:avLst/>
-          </a:prstGeom>
-          <a:noFill/>
-        </p:spPr>
-        <p:txBody>
-          <a:bodyPr wrap="square" lIns="91440" tIns="45720" rIns="91440" bIns="45720">
-            <a:spAutoFit/>
-          </a:bodyPr>
-          <a:lstStyle/>
-          <a:p>
-            <a:pPr algn="ctr"/>
-            <a:r>
-              <a:rPr lang="es-ES" sz="2400" b="1" dirty="0">
-                <a:ln w="17780" cmpd="sng">
-                  <a:solidFill>
-                    <a:srgbClr val="FFFFFF"/>
-                  </a:solidFill>
-                  <a:prstDash val="solid"/>
-                  <a:miter lim="800000"/>
-                </a:ln>
-              </a:rPr>
-              <a:t>SWITCH</a:t>
-            </a:r>
-          </a:p>
-        </p:txBody>
-      </p:sp>
-      <p:sp>
-        <p:nvSpPr>
-          <p:cNvPr id="14" name="15 Rectángulo"/>
-          <p:cNvSpPr/>
-          <p:nvPr/>
-        </p:nvSpPr>
-        <p:spPr>
-          <a:xfrm>
-            <a:off x="2938189" y="5732247"/>
-            <a:ext cx="1369962" cy="461665"/>
-          </a:xfrm>
-          <a:prstGeom prst="rect">
-            <a:avLst/>
-          </a:prstGeom>
-          <a:noFill/>
-        </p:spPr>
-        <p:txBody>
-          <a:bodyPr wrap="square" lIns="91440" tIns="45720" rIns="91440" bIns="45720">
-            <a:spAutoFit/>
-          </a:bodyPr>
-          <a:lstStyle/>
-          <a:p>
-            <a:pPr algn="ctr"/>
-            <a:r>
-              <a:rPr lang="es-ES" sz="2400" b="1" dirty="0">
-                <a:ln w="17780" cmpd="sng">
-                  <a:solidFill>
-                    <a:srgbClr val="FFFFFF"/>
-                  </a:solidFill>
-                  <a:prstDash val="solid"/>
-                  <a:miter lim="800000"/>
-                </a:ln>
-              </a:rPr>
-              <a:t>ATA</a:t>
-            </a:r>
-          </a:p>
-        </p:txBody>
-      </p:sp>
       <p:cxnSp>
         <p:nvCxnSpPr>
-          <p:cNvPr id="17" name="Conector: angular 16"/>
-          <p:cNvCxnSpPr>
-            <a:stCxn id="11" idx="3"/>
-            <a:endCxn id="7" idx="0"/>
-          </p:cNvCxnSpPr>
+          <p:cNvPr id="6" name="Conector recto de flecha 5"/>
+          <p:cNvCxnSpPr/>
           <p:nvPr/>
         </p:nvCxnSpPr>
         <p:spPr>
           <a:xfrm>
-            <a:off x="2736010" y="2071142"/>
-            <a:ext cx="1248237" cy="894046"/>
-          </a:xfrm>
-          <a:prstGeom prst="bentConnector2">
-            <a:avLst/>
-          </a:prstGeom>
-          <a:ln>
-            <a:headEnd type="triangle"/>
-            <a:tailEnd type="triangle"/>
-          </a:ln>
-        </p:spPr>
-        <p:style>
-          <a:lnRef idx="1">
-            <a:schemeClr val="accent1"/>
-          </a:lnRef>
-          <a:fillRef idx="0">
-            <a:schemeClr val="accent1"/>
-          </a:fillRef>
-          <a:effectRef idx="0">
-            <a:schemeClr val="accent1"/>
-          </a:effectRef>
-          <a:fontRef idx="minor">
-            <a:schemeClr val="tx1"/>
-          </a:fontRef>
-        </p:style>
-      </p:cxnSp>
-      <p:cxnSp>
-        <p:nvCxnSpPr>
-          <p:cNvPr id="19" name="Conector: angular 18"/>
-          <p:cNvCxnSpPr>
-            <a:stCxn id="6" idx="3"/>
-            <a:endCxn id="1030" idx="1"/>
-          </p:cNvCxnSpPr>
-          <p:nvPr/>
-        </p:nvCxnSpPr>
-        <p:spPr>
-          <a:xfrm>
-            <a:off x="2209953" y="5392448"/>
-            <a:ext cx="728236" cy="1489"/>
-          </a:xfrm>
-          <a:prstGeom prst="bentConnector3">
-            <a:avLst/>
-          </a:prstGeom>
-          <a:ln>
-            <a:headEnd type="triangle"/>
-            <a:tailEnd type="triangle"/>
-          </a:ln>
-        </p:spPr>
-        <p:style>
-          <a:lnRef idx="1">
-            <a:schemeClr val="accent1"/>
-          </a:lnRef>
-          <a:fillRef idx="0">
-            <a:schemeClr val="accent1"/>
-          </a:fillRef>
-          <a:effectRef idx="0">
-            <a:schemeClr val="accent1"/>
-          </a:effectRef>
-          <a:fontRef idx="minor">
-            <a:schemeClr val="tx1"/>
-          </a:fontRef>
-        </p:style>
-      </p:cxnSp>
-      <p:cxnSp>
-        <p:nvCxnSpPr>
-          <p:cNvPr id="24" name="Conector: angular 23"/>
-          <p:cNvCxnSpPr>
-            <a:stCxn id="1030" idx="0"/>
-            <a:endCxn id="7" idx="2"/>
-          </p:cNvCxnSpPr>
-          <p:nvPr/>
-        </p:nvCxnSpPr>
-        <p:spPr>
-          <a:xfrm rot="5400000" flipH="1" flipV="1">
-            <a:off x="3731097" y="4437848"/>
-            <a:ext cx="506301" cy="12700"/>
-          </a:xfrm>
-          <a:prstGeom prst="bentConnector3">
-            <a:avLst/>
-          </a:prstGeom>
-          <a:ln>
-            <a:headEnd type="triangle"/>
-            <a:tailEnd type="triangle"/>
-          </a:ln>
-        </p:spPr>
-        <p:style>
-          <a:lnRef idx="1">
-            <a:schemeClr val="accent1"/>
-          </a:lnRef>
-          <a:fillRef idx="0">
-            <a:schemeClr val="accent1"/>
-          </a:fillRef>
-          <a:effectRef idx="0">
-            <a:schemeClr val="accent1"/>
-          </a:effectRef>
-          <a:fontRef idx="minor">
-            <a:schemeClr val="tx1"/>
-          </a:fontRef>
-        </p:style>
-      </p:cxnSp>
-      <p:cxnSp>
-        <p:nvCxnSpPr>
-          <p:cNvPr id="26" name="Conector: angular 25"/>
-          <p:cNvCxnSpPr>
-            <a:stCxn id="7" idx="3"/>
-            <a:endCxn id="8" idx="1"/>
-          </p:cNvCxnSpPr>
-          <p:nvPr/>
-        </p:nvCxnSpPr>
-        <p:spPr>
-          <a:xfrm>
-            <a:off x="5652120" y="3574943"/>
-            <a:ext cx="703775" cy="1730370"/>
-          </a:xfrm>
-          <a:prstGeom prst="bentConnector3">
-            <a:avLst/>
-          </a:prstGeom>
-          <a:ln>
-            <a:headEnd type="triangle"/>
-            <a:tailEnd type="triangle"/>
-          </a:ln>
-        </p:spPr>
-        <p:style>
-          <a:lnRef idx="1">
-            <a:schemeClr val="accent1"/>
-          </a:lnRef>
-          <a:fillRef idx="0">
-            <a:schemeClr val="accent1"/>
-          </a:fillRef>
-          <a:effectRef idx="0">
-            <a:schemeClr val="accent1"/>
-          </a:effectRef>
-          <a:fontRef idx="minor">
-            <a:schemeClr val="tx1"/>
-          </a:fontRef>
-        </p:style>
-      </p:cxnSp>
-      <p:cxnSp>
-        <p:nvCxnSpPr>
-          <p:cNvPr id="31" name="Conector: angular 30"/>
-          <p:cNvCxnSpPr>
-            <a:stCxn id="8" idx="0"/>
-            <a:endCxn id="9" idx="1"/>
-          </p:cNvCxnSpPr>
-          <p:nvPr/>
-        </p:nvCxnSpPr>
-        <p:spPr>
-          <a:xfrm rot="5400000" flipH="1" flipV="1">
-            <a:off x="6767594" y="3770556"/>
-            <a:ext cx="1123059" cy="12700"/>
-          </a:xfrm>
-          <a:prstGeom prst="bentConnector3">
-            <a:avLst/>
-          </a:prstGeom>
-          <a:ln>
-            <a:headEnd type="triangle"/>
+            <a:off x="3995936" y="2636912"/>
+            <a:ext cx="1008112" cy="0"/>
+          </a:xfrm>
+          <a:prstGeom prst="straightConnector1">
+            <a:avLst/>
+          </a:prstGeom>
+          <a:ln w="38100">
             <a:tailEnd type="triangle"/>
           </a:ln>
         </p:spPr>
@@ -6770,7 +7786,7 @@
     </p:spTree>
     <p:extLst>
       <p:ext uri="{BB962C8B-B14F-4D97-AF65-F5344CB8AC3E}">
-        <p14:creationId xmlns:p14="http://schemas.microsoft.com/office/powerpoint/2010/main" val="28546000"/>
+        <p14:creationId xmlns:p14="http://schemas.microsoft.com/office/powerpoint/2010/main" val="1772338872"/>
       </p:ext>
     </p:extLst>
   </p:cSld>

--- a/images/imagenes_seminario.pptx
+++ b/images/imagenes_seminario.pptx
@@ -16,6 +16,7 @@
     <p:sldId id="267" r:id="rId10"/>
     <p:sldId id="263" r:id="rId11"/>
     <p:sldId id="265" r:id="rId12"/>
+    <p:sldId id="268" r:id="rId13"/>
   </p:sldIdLst>
   <p:sldSz cx="9144000" cy="6858000" type="screen4x3"/>
   <p:notesSz cx="6858000" cy="9144000"/>
@@ -314,7 +315,7 @@
           <a:p>
             <a:fld id="{297D2723-5660-4AF4-AF5E-18D58290C35E}" type="datetimeFigureOut">
               <a:rPr lang="es-VE" smtClean="0"/>
-              <a:t>24/11/2016</a:t>
+              <a:t>25/11/2016</a:t>
             </a:fld>
             <a:endParaRPr lang="es-VE"/>
           </a:p>
@@ -484,7 +485,7 @@
           <a:p>
             <a:fld id="{297D2723-5660-4AF4-AF5E-18D58290C35E}" type="datetimeFigureOut">
               <a:rPr lang="es-VE" smtClean="0"/>
-              <a:t>24/11/2016</a:t>
+              <a:t>25/11/2016</a:t>
             </a:fld>
             <a:endParaRPr lang="es-VE"/>
           </a:p>
@@ -664,7 +665,7 @@
           <a:p>
             <a:fld id="{297D2723-5660-4AF4-AF5E-18D58290C35E}" type="datetimeFigureOut">
               <a:rPr lang="es-VE" smtClean="0"/>
-              <a:t>24/11/2016</a:t>
+              <a:t>25/11/2016</a:t>
             </a:fld>
             <a:endParaRPr lang="es-VE"/>
           </a:p>
@@ -834,7 +835,7 @@
           <a:p>
             <a:fld id="{297D2723-5660-4AF4-AF5E-18D58290C35E}" type="datetimeFigureOut">
               <a:rPr lang="es-VE" smtClean="0"/>
-              <a:t>24/11/2016</a:t>
+              <a:t>25/11/2016</a:t>
             </a:fld>
             <a:endParaRPr lang="es-VE"/>
           </a:p>
@@ -1080,7 +1081,7 @@
           <a:p>
             <a:fld id="{297D2723-5660-4AF4-AF5E-18D58290C35E}" type="datetimeFigureOut">
               <a:rPr lang="es-VE" smtClean="0"/>
-              <a:t>24/11/2016</a:t>
+              <a:t>25/11/2016</a:t>
             </a:fld>
             <a:endParaRPr lang="es-VE"/>
           </a:p>
@@ -1368,7 +1369,7 @@
           <a:p>
             <a:fld id="{297D2723-5660-4AF4-AF5E-18D58290C35E}" type="datetimeFigureOut">
               <a:rPr lang="es-VE" smtClean="0"/>
-              <a:t>24/11/2016</a:t>
+              <a:t>25/11/2016</a:t>
             </a:fld>
             <a:endParaRPr lang="es-VE"/>
           </a:p>
@@ -1790,7 +1791,7 @@
           <a:p>
             <a:fld id="{297D2723-5660-4AF4-AF5E-18D58290C35E}" type="datetimeFigureOut">
               <a:rPr lang="es-VE" smtClean="0"/>
-              <a:t>24/11/2016</a:t>
+              <a:t>25/11/2016</a:t>
             </a:fld>
             <a:endParaRPr lang="es-VE"/>
           </a:p>
@@ -1908,7 +1909,7 @@
           <a:p>
             <a:fld id="{297D2723-5660-4AF4-AF5E-18D58290C35E}" type="datetimeFigureOut">
               <a:rPr lang="es-VE" smtClean="0"/>
-              <a:t>24/11/2016</a:t>
+              <a:t>25/11/2016</a:t>
             </a:fld>
             <a:endParaRPr lang="es-VE"/>
           </a:p>
@@ -2003,7 +2004,7 @@
           <a:p>
             <a:fld id="{297D2723-5660-4AF4-AF5E-18D58290C35E}" type="datetimeFigureOut">
               <a:rPr lang="es-VE" smtClean="0"/>
-              <a:t>24/11/2016</a:t>
+              <a:t>25/11/2016</a:t>
             </a:fld>
             <a:endParaRPr lang="es-VE"/>
           </a:p>
@@ -2280,7 +2281,7 @@
           <a:p>
             <a:fld id="{297D2723-5660-4AF4-AF5E-18D58290C35E}" type="datetimeFigureOut">
               <a:rPr lang="es-VE" smtClean="0"/>
-              <a:t>24/11/2016</a:t>
+              <a:t>25/11/2016</a:t>
             </a:fld>
             <a:endParaRPr lang="es-VE"/>
           </a:p>
@@ -2533,7 +2534,7 @@
           <a:p>
             <a:fld id="{297D2723-5660-4AF4-AF5E-18D58290C35E}" type="datetimeFigureOut">
               <a:rPr lang="es-VE" smtClean="0"/>
-              <a:t>24/11/2016</a:t>
+              <a:t>25/11/2016</a:t>
             </a:fld>
             <a:endParaRPr lang="es-VE"/>
           </a:p>
@@ -2746,7 +2747,7 @@
           <a:p>
             <a:fld id="{297D2723-5660-4AF4-AF5E-18D58290C35E}" type="datetimeFigureOut">
               <a:rPr lang="es-VE" smtClean="0"/>
-              <a:t>24/11/2016</a:t>
+              <a:t>25/11/2016</a:t>
             </a:fld>
             <a:endParaRPr lang="es-VE"/>
           </a:p>
@@ -3348,6 +3349,82 @@
     <p:extLst>
       <p:ext uri="{BB962C8B-B14F-4D97-AF65-F5344CB8AC3E}">
         <p14:creationId xmlns:p14="http://schemas.microsoft.com/office/powerpoint/2010/main" val="2146513757"/>
+      </p:ext>
+    </p:extLst>
+  </p:cSld>
+  <p:clrMapOvr>
+    <a:masterClrMapping/>
+  </p:clrMapOvr>
+</p:sld>
+</file>
+
+<file path=ppt/slides/slide12.xml><?xml version="1.0" encoding="utf-8"?>
+<p:sld xmlns:a="http://schemas.openxmlformats.org/drawingml/2006/main" xmlns:r="http://schemas.openxmlformats.org/officeDocument/2006/relationships" xmlns:p="http://schemas.openxmlformats.org/presentationml/2006/main">
+  <p:cSld>
+    <p:spTree>
+      <p:nvGrpSpPr>
+        <p:cNvPr id="1" name=""/>
+        <p:cNvGrpSpPr/>
+        <p:nvPr/>
+      </p:nvGrpSpPr>
+      <p:grpSpPr>
+        <a:xfrm>
+          <a:off x="0" y="0"/>
+          <a:ext cx="0" cy="0"/>
+          <a:chOff x="0" y="0"/>
+          <a:chExt cx="0" cy="0"/>
+        </a:xfrm>
+      </p:grpSpPr>
+      <p:sp>
+        <p:nvSpPr>
+          <p:cNvPr id="2" name="Título 1"/>
+          <p:cNvSpPr>
+            <a:spLocks noGrp="1"/>
+          </p:cNvSpPr>
+          <p:nvPr>
+            <p:ph type="title"/>
+          </p:nvPr>
+        </p:nvSpPr>
+        <p:spPr/>
+        <p:txBody>
+          <a:bodyPr/>
+          <a:lstStyle/>
+          <a:p>
+            <a:r>
+              <a:rPr lang="es-VE" dirty="0"/>
+              <a:t>G.711.1</a:t>
+            </a:r>
+          </a:p>
+        </p:txBody>
+      </p:sp>
+      <p:pic>
+        <p:nvPicPr>
+          <p:cNvPr id="5" name="Imagen 4"/>
+          <p:cNvPicPr>
+            <a:picLocks noChangeAspect="1"/>
+          </p:cNvPicPr>
+          <p:nvPr/>
+        </p:nvPicPr>
+        <p:blipFill>
+          <a:blip r:embed="rId2"/>
+          <a:stretch>
+            <a:fillRect/>
+          </a:stretch>
+        </p:blipFill>
+        <p:spPr>
+          <a:xfrm>
+            <a:off x="0" y="1417638"/>
+            <a:ext cx="9144000" cy="5451711"/>
+          </a:xfrm>
+          <a:prstGeom prst="rect">
+            <a:avLst/>
+          </a:prstGeom>
+        </p:spPr>
+      </p:pic>
+    </p:spTree>
+    <p:extLst>
+      <p:ext uri="{BB962C8B-B14F-4D97-AF65-F5344CB8AC3E}">
+        <p14:creationId xmlns:p14="http://schemas.microsoft.com/office/powerpoint/2010/main" val="3414884923"/>
       </p:ext>
     </p:extLst>
   </p:cSld>

--- a/images/imagenes_seminario.pptx
+++ b/images/imagenes_seminario.pptx
@@ -17,6 +17,7 @@
     <p:sldId id="263" r:id="rId11"/>
     <p:sldId id="265" r:id="rId12"/>
     <p:sldId id="268" r:id="rId13"/>
+    <p:sldId id="269" r:id="rId14"/>
   </p:sldIdLst>
   <p:sldSz cx="9144000" cy="6858000" type="screen4x3"/>
   <p:notesSz cx="6858000" cy="9144000"/>
@@ -315,7 +316,7 @@
           <a:p>
             <a:fld id="{297D2723-5660-4AF4-AF5E-18D58290C35E}" type="datetimeFigureOut">
               <a:rPr lang="es-VE" smtClean="0"/>
-              <a:t>25/11/2016</a:t>
+              <a:t>28/11/2016</a:t>
             </a:fld>
             <a:endParaRPr lang="es-VE"/>
           </a:p>
@@ -485,7 +486,7 @@
           <a:p>
             <a:fld id="{297D2723-5660-4AF4-AF5E-18D58290C35E}" type="datetimeFigureOut">
               <a:rPr lang="es-VE" smtClean="0"/>
-              <a:t>25/11/2016</a:t>
+              <a:t>28/11/2016</a:t>
             </a:fld>
             <a:endParaRPr lang="es-VE"/>
           </a:p>
@@ -665,7 +666,7 @@
           <a:p>
             <a:fld id="{297D2723-5660-4AF4-AF5E-18D58290C35E}" type="datetimeFigureOut">
               <a:rPr lang="es-VE" smtClean="0"/>
-              <a:t>25/11/2016</a:t>
+              <a:t>28/11/2016</a:t>
             </a:fld>
             <a:endParaRPr lang="es-VE"/>
           </a:p>
@@ -835,7 +836,7 @@
           <a:p>
             <a:fld id="{297D2723-5660-4AF4-AF5E-18D58290C35E}" type="datetimeFigureOut">
               <a:rPr lang="es-VE" smtClean="0"/>
-              <a:t>25/11/2016</a:t>
+              <a:t>28/11/2016</a:t>
             </a:fld>
             <a:endParaRPr lang="es-VE"/>
           </a:p>
@@ -1081,7 +1082,7 @@
           <a:p>
             <a:fld id="{297D2723-5660-4AF4-AF5E-18D58290C35E}" type="datetimeFigureOut">
               <a:rPr lang="es-VE" smtClean="0"/>
-              <a:t>25/11/2016</a:t>
+              <a:t>28/11/2016</a:t>
             </a:fld>
             <a:endParaRPr lang="es-VE"/>
           </a:p>
@@ -1369,7 +1370,7 @@
           <a:p>
             <a:fld id="{297D2723-5660-4AF4-AF5E-18D58290C35E}" type="datetimeFigureOut">
               <a:rPr lang="es-VE" smtClean="0"/>
-              <a:t>25/11/2016</a:t>
+              <a:t>28/11/2016</a:t>
             </a:fld>
             <a:endParaRPr lang="es-VE"/>
           </a:p>
@@ -1791,7 +1792,7 @@
           <a:p>
             <a:fld id="{297D2723-5660-4AF4-AF5E-18D58290C35E}" type="datetimeFigureOut">
               <a:rPr lang="es-VE" smtClean="0"/>
-              <a:t>25/11/2016</a:t>
+              <a:t>28/11/2016</a:t>
             </a:fld>
             <a:endParaRPr lang="es-VE"/>
           </a:p>
@@ -1909,7 +1910,7 @@
           <a:p>
             <a:fld id="{297D2723-5660-4AF4-AF5E-18D58290C35E}" type="datetimeFigureOut">
               <a:rPr lang="es-VE" smtClean="0"/>
-              <a:t>25/11/2016</a:t>
+              <a:t>28/11/2016</a:t>
             </a:fld>
             <a:endParaRPr lang="es-VE"/>
           </a:p>
@@ -2004,7 +2005,7 @@
           <a:p>
             <a:fld id="{297D2723-5660-4AF4-AF5E-18D58290C35E}" type="datetimeFigureOut">
               <a:rPr lang="es-VE" smtClean="0"/>
-              <a:t>25/11/2016</a:t>
+              <a:t>28/11/2016</a:t>
             </a:fld>
             <a:endParaRPr lang="es-VE"/>
           </a:p>
@@ -2281,7 +2282,7 @@
           <a:p>
             <a:fld id="{297D2723-5660-4AF4-AF5E-18D58290C35E}" type="datetimeFigureOut">
               <a:rPr lang="es-VE" smtClean="0"/>
-              <a:t>25/11/2016</a:t>
+              <a:t>28/11/2016</a:t>
             </a:fld>
             <a:endParaRPr lang="es-VE"/>
           </a:p>
@@ -2534,7 +2535,7 @@
           <a:p>
             <a:fld id="{297D2723-5660-4AF4-AF5E-18D58290C35E}" type="datetimeFigureOut">
               <a:rPr lang="es-VE" smtClean="0"/>
-              <a:t>25/11/2016</a:t>
+              <a:t>28/11/2016</a:t>
             </a:fld>
             <a:endParaRPr lang="es-VE"/>
           </a:p>
@@ -2747,7 +2748,7 @@
           <a:p>
             <a:fld id="{297D2723-5660-4AF4-AF5E-18D58290C35E}" type="datetimeFigureOut">
               <a:rPr lang="es-VE" smtClean="0"/>
-              <a:t>25/11/2016</a:t>
+              <a:t>28/11/2016</a:t>
             </a:fld>
             <a:endParaRPr lang="es-VE"/>
           </a:p>
@@ -3425,6 +3426,99 @@
     <p:extLst>
       <p:ext uri="{BB962C8B-B14F-4D97-AF65-F5344CB8AC3E}">
         <p14:creationId xmlns:p14="http://schemas.microsoft.com/office/powerpoint/2010/main" val="3414884923"/>
+      </p:ext>
+    </p:extLst>
+  </p:cSld>
+  <p:clrMapOvr>
+    <a:masterClrMapping/>
+  </p:clrMapOvr>
+</p:sld>
+</file>
+
+<file path=ppt/slides/slide13.xml><?xml version="1.0" encoding="utf-8"?>
+<p:sld xmlns:a="http://schemas.openxmlformats.org/drawingml/2006/main" xmlns:r="http://schemas.openxmlformats.org/officeDocument/2006/relationships" xmlns:p="http://schemas.openxmlformats.org/presentationml/2006/main">
+  <p:cSld>
+    <p:spTree>
+      <p:nvGrpSpPr>
+        <p:cNvPr id="1" name=""/>
+        <p:cNvGrpSpPr/>
+        <p:nvPr/>
+      </p:nvGrpSpPr>
+      <p:grpSpPr>
+        <a:xfrm>
+          <a:off x="0" y="0"/>
+          <a:ext cx="0" cy="0"/>
+          <a:chOff x="0" y="0"/>
+          <a:chExt cx="0" cy="0"/>
+        </a:xfrm>
+      </p:grpSpPr>
+      <p:sp>
+        <p:nvSpPr>
+          <p:cNvPr id="2" name="Título 1"/>
+          <p:cNvSpPr>
+            <a:spLocks noGrp="1"/>
+          </p:cNvSpPr>
+          <p:nvPr>
+            <p:ph type="title"/>
+          </p:nvPr>
+        </p:nvSpPr>
+        <p:spPr/>
+        <p:txBody>
+          <a:bodyPr/>
+          <a:lstStyle/>
+          <a:p>
+            <a:r>
+              <a:rPr lang="es-VE" dirty="0"/>
+              <a:t>G.729.1</a:t>
+            </a:r>
+          </a:p>
+        </p:txBody>
+      </p:sp>
+      <p:pic>
+        <p:nvPicPr>
+          <p:cNvPr id="1026" name="Picture 2" descr="http://patentimages.storage.googleapis.com/US20130110507A1/US20130110507A1-20130502-D00003.png"/>
+          <p:cNvPicPr>
+            <a:picLocks noGrp="1" noChangeAspect="1" noChangeArrowheads="1"/>
+          </p:cNvPicPr>
+          <p:nvPr>
+            <p:ph idx="1"/>
+          </p:nvPr>
+        </p:nvPicPr>
+        <p:blipFill rotWithShape="1">
+          <a:blip r:embed="rId2" cstate="print">
+            <a:extLst>
+              <a:ext uri="{28A0092B-C50C-407E-A947-70E740481C1C}">
+                <a14:useLocalDpi xmlns:a14="http://schemas.microsoft.com/office/drawing/2010/main" val="0"/>
+              </a:ext>
+            </a:extLst>
+          </a:blip>
+          <a:srcRect r="73854"/>
+          <a:stretch/>
+        </p:blipFill>
+        <p:spPr bwMode="auto">
+          <a:xfrm rot="5400000">
+            <a:off x="3725505" y="-2277527"/>
+            <a:ext cx="1692993" cy="9144002"/>
+          </a:xfrm>
+          <a:prstGeom prst="rect">
+            <a:avLst/>
+          </a:prstGeom>
+          <a:noFill/>
+          <a:extLst>
+            <a:ext uri="{909E8E84-426E-40DD-AFC4-6F175D3DCCD1}">
+              <a14:hiddenFill xmlns:a14="http://schemas.microsoft.com/office/drawing/2010/main">
+                <a:solidFill>
+                  <a:srgbClr val="FFFFFF"/>
+                </a:solidFill>
+              </a14:hiddenFill>
+            </a:ext>
+          </a:extLst>
+        </p:spPr>
+      </p:pic>
+    </p:spTree>
+    <p:extLst>
+      <p:ext uri="{BB962C8B-B14F-4D97-AF65-F5344CB8AC3E}">
+        <p14:creationId xmlns:p14="http://schemas.microsoft.com/office/powerpoint/2010/main" val="3764835008"/>
       </p:ext>
     </p:extLst>
   </p:cSld>
